--- a/הצגה.pptx
+++ b/הצגה.pptx
@@ -5,23 +5,25 @@
     <p:sldMasterId id="2147483672" r:id="rId1"/>
   </p:sldMasterIdLst>
   <p:notesMasterIdLst>
-    <p:notesMasterId r:id="rId16"/>
+    <p:notesMasterId r:id="rId18"/>
   </p:notesMasterIdLst>
   <p:sldIdLst>
     <p:sldId id="257" r:id="rId2"/>
     <p:sldId id="273" r:id="rId3"/>
     <p:sldId id="275" r:id="rId4"/>
     <p:sldId id="276" r:id="rId5"/>
-    <p:sldId id="277" r:id="rId6"/>
+    <p:sldId id="286" r:id="rId6"/>
     <p:sldId id="278" r:id="rId7"/>
-    <p:sldId id="279" r:id="rId8"/>
-    <p:sldId id="280" r:id="rId9"/>
-    <p:sldId id="281" r:id="rId10"/>
-    <p:sldId id="285" r:id="rId11"/>
-    <p:sldId id="282" r:id="rId12"/>
-    <p:sldId id="283" r:id="rId13"/>
-    <p:sldId id="284" r:id="rId14"/>
-    <p:sldId id="266" r:id="rId15"/>
+    <p:sldId id="287" r:id="rId8"/>
+    <p:sldId id="277" r:id="rId9"/>
+    <p:sldId id="279" r:id="rId10"/>
+    <p:sldId id="280" r:id="rId11"/>
+    <p:sldId id="281" r:id="rId12"/>
+    <p:sldId id="285" r:id="rId13"/>
+    <p:sldId id="282" r:id="rId14"/>
+    <p:sldId id="283" r:id="rId15"/>
+    <p:sldId id="284" r:id="rId16"/>
+    <p:sldId id="266" r:id="rId17"/>
   </p:sldIdLst>
   <p:sldSz cx="12192000" cy="6858000"/>
   <p:notesSz cx="6858000" cy="9144000"/>
@@ -1961,7 +1963,7 @@
   <dgm:whole/>
   <dgm:extLst>
     <a:ext uri="http://schemas.microsoft.com/office/drawing/2008/diagram">
-      <dsp:dataModelExt xmlns:dsp="http://schemas.microsoft.com/office/drawing/2008/diagram" relId="rId6" minVer="http://schemas.openxmlformats.org/drawingml/2006/diagram"/>
+      <dsp:dataModelExt xmlns:dsp="http://schemas.microsoft.com/office/drawing/2008/diagram" relId="rId7" minVer="http://schemas.openxmlformats.org/drawingml/2006/diagram"/>
     </a:ext>
   </dgm:extLst>
 </dgm:dataModel>
@@ -7022,6 +7024,564 @@
     </a:lvl9pPr>
   </p:notesStyle>
 </p:notesMaster>
+</file>
+
+<file path=ppt/notesSlides/notesSlide1.xml><?xml version="1.0" encoding="utf-8"?>
+<p:notes xmlns:a="http://schemas.openxmlformats.org/drawingml/2006/main" xmlns:r="http://schemas.openxmlformats.org/officeDocument/2006/relationships" xmlns:p="http://schemas.openxmlformats.org/presentationml/2006/main">
+  <p:cSld>
+    <p:spTree>
+      <p:nvGrpSpPr>
+        <p:cNvPr id="1" name=""/>
+        <p:cNvGrpSpPr/>
+        <p:nvPr/>
+      </p:nvGrpSpPr>
+      <p:grpSpPr>
+        <a:xfrm>
+          <a:off x="0" y="0"/>
+          <a:ext cx="0" cy="0"/>
+          <a:chOff x="0" y="0"/>
+          <a:chExt cx="0" cy="0"/>
+        </a:xfrm>
+      </p:grpSpPr>
+      <p:sp>
+        <p:nvSpPr>
+          <p:cNvPr id="2" name="Slide Image Placeholder 1"/>
+          <p:cNvSpPr>
+            <a:spLocks noGrp="1" noRot="1" noChangeAspect="1"/>
+          </p:cNvSpPr>
+          <p:nvPr>
+            <p:ph type="sldImg"/>
+          </p:nvPr>
+        </p:nvSpPr>
+        <p:spPr/>
+      </p:sp>
+      <p:sp>
+        <p:nvSpPr>
+          <p:cNvPr id="3" name="Notes Placeholder 2"/>
+          <p:cNvSpPr>
+            <a:spLocks noGrp="1"/>
+          </p:cNvSpPr>
+          <p:nvPr>
+            <p:ph type="body" idx="1"/>
+          </p:nvPr>
+        </p:nvSpPr>
+        <p:spPr/>
+        <p:txBody>
+          <a:bodyPr/>
+          <a:lstStyle/>
+          <a:p>
+            <a:r>
+              <a:rPr lang="he-IL" dirty="0"/>
+              <a:t>בעבודה שלי, הכללתי את מודל </a:t>
+            </a:r>
+            <a:r>
+              <a:rPr lang="he-IL" dirty="0" err="1"/>
+              <a:t>בלאק</a:t>
+            </a:r>
+            <a:r>
+              <a:rPr lang="he-IL" dirty="0"/>
+              <a:t> </a:t>
+            </a:r>
+            <a:r>
+              <a:rPr lang="he-IL" dirty="0" err="1"/>
+              <a:t>ושולס</a:t>
+            </a:r>
+            <a:r>
+              <a:rPr lang="he-IL" dirty="0"/>
+              <a:t> על ידי מסובך יותר, והראיתי שהוא </a:t>
+            </a:r>
+            <a:r>
+              <a:rPr lang="he-IL" dirty="0" err="1"/>
+              <a:t>ממדל</a:t>
+            </a:r>
+            <a:r>
+              <a:rPr lang="he-IL" dirty="0"/>
+              <a:t> את המציאות בצורה טובה יותר</a:t>
+            </a:r>
+          </a:p>
+        </p:txBody>
+      </p:sp>
+      <p:sp>
+        <p:nvSpPr>
+          <p:cNvPr id="4" name="Slide Number Placeholder 3"/>
+          <p:cNvSpPr>
+            <a:spLocks noGrp="1"/>
+          </p:cNvSpPr>
+          <p:nvPr>
+            <p:ph type="sldNum" sz="quarter" idx="5"/>
+          </p:nvPr>
+        </p:nvSpPr>
+        <p:spPr/>
+        <p:txBody>
+          <a:bodyPr/>
+          <a:lstStyle/>
+          <a:p>
+            <a:fld id="{5FD34AC2-3728-4A8B-B58F-6888FAEC3D20}" type="slidenum">
+              <a:rPr lang="id-ID" smtClean="0"/>
+              <a:t>1</a:t>
+            </a:fld>
+            <a:endParaRPr lang="id-ID"/>
+          </a:p>
+        </p:txBody>
+      </p:sp>
+    </p:spTree>
+    <p:extLst>
+      <p:ext uri="{BB962C8B-B14F-4D97-AF65-F5344CB8AC3E}">
+        <p14:creationId xmlns:p14="http://schemas.microsoft.com/office/powerpoint/2010/main" val="424870820"/>
+      </p:ext>
+    </p:extLst>
+  </p:cSld>
+  <p:clrMapOvr>
+    <a:masterClrMapping/>
+  </p:clrMapOvr>
+</p:notes>
+</file>
+
+<file path=ppt/notesSlides/notesSlide2.xml><?xml version="1.0" encoding="utf-8"?>
+<p:notes xmlns:a="http://schemas.openxmlformats.org/drawingml/2006/main" xmlns:r="http://schemas.openxmlformats.org/officeDocument/2006/relationships" xmlns:p="http://schemas.openxmlformats.org/presentationml/2006/main">
+  <p:cSld>
+    <p:spTree>
+      <p:nvGrpSpPr>
+        <p:cNvPr id="1" name=""/>
+        <p:cNvGrpSpPr/>
+        <p:nvPr/>
+      </p:nvGrpSpPr>
+      <p:grpSpPr>
+        <a:xfrm>
+          <a:off x="0" y="0"/>
+          <a:ext cx="0" cy="0"/>
+          <a:chOff x="0" y="0"/>
+          <a:chExt cx="0" cy="0"/>
+        </a:xfrm>
+      </p:grpSpPr>
+      <p:sp>
+        <p:nvSpPr>
+          <p:cNvPr id="2" name="Slide Image Placeholder 1"/>
+          <p:cNvSpPr>
+            <a:spLocks noGrp="1" noRot="1" noChangeAspect="1"/>
+          </p:cNvSpPr>
+          <p:nvPr>
+            <p:ph type="sldImg"/>
+          </p:nvPr>
+        </p:nvSpPr>
+        <p:spPr/>
+      </p:sp>
+      <p:sp>
+        <p:nvSpPr>
+          <p:cNvPr id="3" name="Notes Placeholder 2"/>
+          <p:cNvSpPr>
+            <a:spLocks noGrp="1"/>
+          </p:cNvSpPr>
+          <p:nvPr>
+            <p:ph type="body" idx="1"/>
+          </p:nvPr>
+        </p:nvSpPr>
+        <p:spPr/>
+        <p:txBody>
+          <a:bodyPr/>
+          <a:lstStyle/>
+          <a:p>
+            <a:r>
+              <a:rPr lang="he-IL" dirty="0"/>
+              <a:t>התחלתי עם המטלה הבסיסית בה מימשתי את מודל </a:t>
+            </a:r>
+            <a:r>
+              <a:rPr lang="he-IL" dirty="0" err="1"/>
+              <a:t>בלאק</a:t>
+            </a:r>
+            <a:r>
+              <a:rPr lang="he-IL" dirty="0"/>
+              <a:t> </a:t>
+            </a:r>
+            <a:r>
+              <a:rPr lang="he-IL" dirty="0" err="1"/>
+              <a:t>ושולס</a:t>
+            </a:r>
+            <a:r>
+              <a:rPr lang="he-IL" dirty="0"/>
+              <a:t> שהיה קריטי להמשך העבודה שלי</a:t>
+            </a:r>
+          </a:p>
+          <a:p>
+            <a:r>
+              <a:rPr lang="he-IL" dirty="0"/>
+              <a:t>לאחר מכן הצגתי את אחת ההנחות של מודל </a:t>
+            </a:r>
+            <a:r>
+              <a:rPr lang="he-IL" dirty="0" err="1"/>
+              <a:t>בלאק</a:t>
+            </a:r>
+            <a:r>
+              <a:rPr lang="he-IL" dirty="0"/>
+              <a:t> </a:t>
+            </a:r>
+            <a:r>
+              <a:rPr lang="he-IL" dirty="0" err="1"/>
+              <a:t>ושולס</a:t>
+            </a:r>
+            <a:r>
+              <a:rPr lang="he-IL" dirty="0"/>
+              <a:t>, והראיתי שבגלל ההנחה הזו הוא לא תואם למציאות בצורה טובה </a:t>
+            </a:r>
+          </a:p>
+          <a:p>
+            <a:r>
+              <a:rPr lang="he-IL" dirty="0"/>
+              <a:t>לבסוף, הכללתי את מודל </a:t>
+            </a:r>
+            <a:r>
+              <a:rPr lang="he-IL" dirty="0" err="1"/>
+              <a:t>בלאק</a:t>
+            </a:r>
+            <a:r>
+              <a:rPr lang="he-IL" dirty="0"/>
+              <a:t> ושוס על ידי מודל מסובך יותר בשם מודל הסטון, והראיתי שהוא </a:t>
+            </a:r>
+            <a:r>
+              <a:rPr lang="he-IL" dirty="0" err="1"/>
+              <a:t>ממדל</a:t>
+            </a:r>
+            <a:r>
+              <a:rPr lang="he-IL" dirty="0"/>
+              <a:t> את האופציות בשוק בצורה טובה</a:t>
+            </a:r>
+          </a:p>
+        </p:txBody>
+      </p:sp>
+      <p:sp>
+        <p:nvSpPr>
+          <p:cNvPr id="4" name="Slide Number Placeholder 3"/>
+          <p:cNvSpPr>
+            <a:spLocks noGrp="1"/>
+          </p:cNvSpPr>
+          <p:nvPr>
+            <p:ph type="sldNum" sz="quarter" idx="5"/>
+          </p:nvPr>
+        </p:nvSpPr>
+        <p:spPr/>
+        <p:txBody>
+          <a:bodyPr/>
+          <a:lstStyle/>
+          <a:p>
+            <a:fld id="{5FD34AC2-3728-4A8B-B58F-6888FAEC3D20}" type="slidenum">
+              <a:rPr lang="id-ID" smtClean="0"/>
+              <a:t>2</a:t>
+            </a:fld>
+            <a:endParaRPr lang="id-ID"/>
+          </a:p>
+        </p:txBody>
+      </p:sp>
+    </p:spTree>
+    <p:extLst>
+      <p:ext uri="{BB962C8B-B14F-4D97-AF65-F5344CB8AC3E}">
+        <p14:creationId xmlns:p14="http://schemas.microsoft.com/office/powerpoint/2010/main" val="259234215"/>
+      </p:ext>
+    </p:extLst>
+  </p:cSld>
+  <p:clrMapOvr>
+    <a:masterClrMapping/>
+  </p:clrMapOvr>
+</p:notes>
+</file>
+
+<file path=ppt/notesSlides/notesSlide3.xml><?xml version="1.0" encoding="utf-8"?>
+<p:notes xmlns:a="http://schemas.openxmlformats.org/drawingml/2006/main" xmlns:r="http://schemas.openxmlformats.org/officeDocument/2006/relationships" xmlns:p="http://schemas.openxmlformats.org/presentationml/2006/main">
+  <p:cSld>
+    <p:spTree>
+      <p:nvGrpSpPr>
+        <p:cNvPr id="1" name=""/>
+        <p:cNvGrpSpPr/>
+        <p:nvPr/>
+      </p:nvGrpSpPr>
+      <p:grpSpPr>
+        <a:xfrm>
+          <a:off x="0" y="0"/>
+          <a:ext cx="0" cy="0"/>
+          <a:chOff x="0" y="0"/>
+          <a:chExt cx="0" cy="0"/>
+        </a:xfrm>
+      </p:grpSpPr>
+      <p:sp>
+        <p:nvSpPr>
+          <p:cNvPr id="2" name="Slide Image Placeholder 1"/>
+          <p:cNvSpPr>
+            <a:spLocks noGrp="1" noRot="1" noChangeAspect="1"/>
+          </p:cNvSpPr>
+          <p:nvPr>
+            <p:ph type="sldImg"/>
+          </p:nvPr>
+        </p:nvSpPr>
+        <p:spPr/>
+      </p:sp>
+      <p:sp>
+        <p:nvSpPr>
+          <p:cNvPr id="3" name="Notes Placeholder 2"/>
+          <p:cNvSpPr>
+            <a:spLocks noGrp="1"/>
+          </p:cNvSpPr>
+          <p:nvPr>
+            <p:ph type="body" idx="1"/>
+          </p:nvPr>
+        </p:nvSpPr>
+        <p:spPr/>
+        <p:txBody>
+          <a:bodyPr/>
+          <a:lstStyle/>
+          <a:p>
+            <a:r>
+              <a:rPr lang="he-IL" dirty="0"/>
+              <a:t>אחת ההנחות המרכזיות של מודל </a:t>
+            </a:r>
+            <a:r>
+              <a:rPr lang="he-IL" dirty="0" err="1"/>
+              <a:t>בלאק</a:t>
+            </a:r>
+            <a:r>
+              <a:rPr lang="he-IL" dirty="0"/>
+              <a:t> </a:t>
+            </a:r>
+            <a:r>
+              <a:rPr lang="he-IL" dirty="0" err="1"/>
+              <a:t>ושולס</a:t>
+            </a:r>
+            <a:r>
+              <a:rPr lang="he-IL" dirty="0"/>
+              <a:t>, היא שאם יש לי מניה בשוק, היא נעה בתנודתיות קבועה. כלומר הסיגמא שאנו רואים כאן הוא בכך </a:t>
+            </a:r>
+            <a:r>
+              <a:rPr lang="he-IL" dirty="0" err="1"/>
+              <a:t>הכל</a:t>
+            </a:r>
+            <a:r>
+              <a:rPr lang="he-IL" dirty="0"/>
+              <a:t> מספר שאומר לנו כמה המניה </a:t>
+            </a:r>
+            <a:r>
+              <a:rPr lang="he-IL" dirty="0" err="1"/>
+              <a:t>תמנודתית</a:t>
+            </a:r>
+            <a:endParaRPr lang="he-IL" dirty="0"/>
+          </a:p>
+        </p:txBody>
+      </p:sp>
+      <p:sp>
+        <p:nvSpPr>
+          <p:cNvPr id="4" name="Slide Number Placeholder 3"/>
+          <p:cNvSpPr>
+            <a:spLocks noGrp="1"/>
+          </p:cNvSpPr>
+          <p:nvPr>
+            <p:ph type="sldNum" sz="quarter" idx="5"/>
+          </p:nvPr>
+        </p:nvSpPr>
+        <p:spPr/>
+        <p:txBody>
+          <a:bodyPr/>
+          <a:lstStyle/>
+          <a:p>
+            <a:fld id="{5FD34AC2-3728-4A8B-B58F-6888FAEC3D20}" type="slidenum">
+              <a:rPr lang="id-ID" smtClean="0"/>
+              <a:t>3</a:t>
+            </a:fld>
+            <a:endParaRPr lang="id-ID"/>
+          </a:p>
+        </p:txBody>
+      </p:sp>
+    </p:spTree>
+    <p:extLst>
+      <p:ext uri="{BB962C8B-B14F-4D97-AF65-F5344CB8AC3E}">
+        <p14:creationId xmlns:p14="http://schemas.microsoft.com/office/powerpoint/2010/main" val="1327775921"/>
+      </p:ext>
+    </p:extLst>
+  </p:cSld>
+  <p:clrMapOvr>
+    <a:masterClrMapping/>
+  </p:clrMapOvr>
+</p:notes>
+</file>
+
+<file path=ppt/notesSlides/notesSlide4.xml><?xml version="1.0" encoding="utf-8"?>
+<p:notes xmlns:a="http://schemas.openxmlformats.org/drawingml/2006/main" xmlns:r="http://schemas.openxmlformats.org/officeDocument/2006/relationships" xmlns:p="http://schemas.openxmlformats.org/presentationml/2006/main">
+  <p:cSld>
+    <p:spTree>
+      <p:nvGrpSpPr>
+        <p:cNvPr id="1" name=""/>
+        <p:cNvGrpSpPr/>
+        <p:nvPr/>
+      </p:nvGrpSpPr>
+      <p:grpSpPr>
+        <a:xfrm>
+          <a:off x="0" y="0"/>
+          <a:ext cx="0" cy="0"/>
+          <a:chOff x="0" y="0"/>
+          <a:chExt cx="0" cy="0"/>
+        </a:xfrm>
+      </p:grpSpPr>
+      <p:sp>
+        <p:nvSpPr>
+          <p:cNvPr id="2" name="Slide Image Placeholder 1"/>
+          <p:cNvSpPr>
+            <a:spLocks noGrp="1" noRot="1" noChangeAspect="1"/>
+          </p:cNvSpPr>
+          <p:nvPr>
+            <p:ph type="sldImg"/>
+          </p:nvPr>
+        </p:nvSpPr>
+        <p:spPr/>
+      </p:sp>
+      <p:sp>
+        <p:nvSpPr>
+          <p:cNvPr id="3" name="Notes Placeholder 2"/>
+          <p:cNvSpPr>
+            <a:spLocks noGrp="1"/>
+          </p:cNvSpPr>
+          <p:nvPr>
+            <p:ph type="body" idx="1"/>
+          </p:nvPr>
+        </p:nvSpPr>
+        <p:spPr/>
+        <p:txBody>
+          <a:bodyPr/>
+          <a:lstStyle/>
+          <a:p>
+            <a:r>
+              <a:rPr lang="he-IL" dirty="0"/>
+              <a:t>ועכשיו נשאלת השאלה האם ההנחה הזו היא בעייתית? האם היא תואמת את המציאות? בחלק זה לקחתי מניות </a:t>
+            </a:r>
+            <a:r>
+              <a:rPr lang="he-IL" dirty="0" err="1"/>
+              <a:t>אמ</a:t>
+            </a:r>
+            <a:endParaRPr lang="he-IL" dirty="0"/>
+          </a:p>
+        </p:txBody>
+      </p:sp>
+      <p:sp>
+        <p:nvSpPr>
+          <p:cNvPr id="4" name="Slide Number Placeholder 3"/>
+          <p:cNvSpPr>
+            <a:spLocks noGrp="1"/>
+          </p:cNvSpPr>
+          <p:nvPr>
+            <p:ph type="sldNum" sz="quarter" idx="5"/>
+          </p:nvPr>
+        </p:nvSpPr>
+        <p:spPr/>
+        <p:txBody>
+          <a:bodyPr/>
+          <a:lstStyle/>
+          <a:p>
+            <a:fld id="{5FD34AC2-3728-4A8B-B58F-6888FAEC3D20}" type="slidenum">
+              <a:rPr lang="id-ID" smtClean="0"/>
+              <a:t>4</a:t>
+            </a:fld>
+            <a:endParaRPr lang="id-ID"/>
+          </a:p>
+        </p:txBody>
+      </p:sp>
+    </p:spTree>
+    <p:extLst>
+      <p:ext uri="{BB962C8B-B14F-4D97-AF65-F5344CB8AC3E}">
+        <p14:creationId xmlns:p14="http://schemas.microsoft.com/office/powerpoint/2010/main" val="4152423380"/>
+      </p:ext>
+    </p:extLst>
+  </p:cSld>
+  <p:clrMapOvr>
+    <a:masterClrMapping/>
+  </p:clrMapOvr>
+</p:notes>
+</file>
+
+<file path=ppt/notesSlides/notesSlide5.xml><?xml version="1.0" encoding="utf-8"?>
+<p:notes xmlns:a="http://schemas.openxmlformats.org/drawingml/2006/main" xmlns:r="http://schemas.openxmlformats.org/officeDocument/2006/relationships" xmlns:p="http://schemas.openxmlformats.org/presentationml/2006/main">
+  <p:cSld>
+    <p:spTree>
+      <p:nvGrpSpPr>
+        <p:cNvPr id="1" name=""/>
+        <p:cNvGrpSpPr/>
+        <p:nvPr/>
+      </p:nvGrpSpPr>
+      <p:grpSpPr>
+        <a:xfrm>
+          <a:off x="0" y="0"/>
+          <a:ext cx="0" cy="0"/>
+          <a:chOff x="0" y="0"/>
+          <a:chExt cx="0" cy="0"/>
+        </a:xfrm>
+      </p:grpSpPr>
+      <p:sp>
+        <p:nvSpPr>
+          <p:cNvPr id="2" name="Slide Image Placeholder 1"/>
+          <p:cNvSpPr>
+            <a:spLocks noGrp="1" noRot="1" noChangeAspect="1"/>
+          </p:cNvSpPr>
+          <p:nvPr>
+            <p:ph type="sldImg"/>
+          </p:nvPr>
+        </p:nvSpPr>
+        <p:spPr/>
+      </p:sp>
+      <p:sp>
+        <p:nvSpPr>
+          <p:cNvPr id="3" name="Notes Placeholder 2"/>
+          <p:cNvSpPr>
+            <a:spLocks noGrp="1"/>
+          </p:cNvSpPr>
+          <p:nvPr>
+            <p:ph type="body" idx="1"/>
+          </p:nvPr>
+        </p:nvSpPr>
+        <p:spPr/>
+        <p:txBody>
+          <a:bodyPr/>
+          <a:lstStyle/>
+          <a:p>
+            <a:r>
+              <a:rPr lang="he-IL" dirty="0"/>
+              <a:t>ועכשיו נשאלת השאלה האם ההנחה הזו היא בעייתית? האם היא תואמת את המציאות? בחלק זה לקחתי מניות </a:t>
+            </a:r>
+            <a:r>
+              <a:rPr lang="he-IL" dirty="0" err="1"/>
+              <a:t>אמ</a:t>
+            </a:r>
+            <a:endParaRPr lang="he-IL" dirty="0"/>
+          </a:p>
+        </p:txBody>
+      </p:sp>
+      <p:sp>
+        <p:nvSpPr>
+          <p:cNvPr id="4" name="Slide Number Placeholder 3"/>
+          <p:cNvSpPr>
+            <a:spLocks noGrp="1"/>
+          </p:cNvSpPr>
+          <p:nvPr>
+            <p:ph type="sldNum" sz="quarter" idx="5"/>
+          </p:nvPr>
+        </p:nvSpPr>
+        <p:spPr/>
+        <p:txBody>
+          <a:bodyPr/>
+          <a:lstStyle/>
+          <a:p>
+            <a:fld id="{5FD34AC2-3728-4A8B-B58F-6888FAEC3D20}" type="slidenum">
+              <a:rPr lang="id-ID" smtClean="0"/>
+              <a:t>5</a:t>
+            </a:fld>
+            <a:endParaRPr lang="id-ID"/>
+          </a:p>
+        </p:txBody>
+      </p:sp>
+    </p:spTree>
+    <p:extLst>
+      <p:ext uri="{BB962C8B-B14F-4D97-AF65-F5344CB8AC3E}">
+        <p14:creationId xmlns:p14="http://schemas.microsoft.com/office/powerpoint/2010/main" val="2514904532"/>
+      </p:ext>
+    </p:extLst>
+  </p:cSld>
+  <p:clrMapOvr>
+    <a:masterClrMapping/>
+  </p:clrMapOvr>
+</p:notes>
 </file>
 
 <file path=ppt/slideLayouts/slideLayout1.xml><?xml version="1.0" encoding="utf-8"?>
@@ -10614,7 +11174,7 @@
           <p:nvPr/>
         </p:nvPicPr>
         <p:blipFill>
-          <a:blip r:embed="rId2" cstate="print">
+          <a:blip r:embed="rId3" cstate="print">
             <a:extLst>
               <a:ext uri="{28A0092B-C50C-407E-A947-70E740481C1C}">
                 <a14:useLocalDpi xmlns:a14="http://schemas.microsoft.com/office/drawing/2010/main" val="0"/>
@@ -11187,6 +11747,1533 @@
             <a:pPr algn="r"/>
             <a:r>
               <a:rPr lang="he-IL" dirty="0"/>
+              <a:t>3. הכללת המודל</a:t>
+            </a:r>
+          </a:p>
+        </p:txBody>
+      </p:sp>
+      <p:graphicFrame>
+        <p:nvGraphicFramePr>
+          <p:cNvPr id="5" name="Content Placeholder 4">
+            <a:extLst>
+              <a:ext uri="{FF2B5EF4-FFF2-40B4-BE49-F238E27FC236}">
+                <a16:creationId xmlns:a16="http://schemas.microsoft.com/office/drawing/2014/main" id="{E5F1020D-AFA3-45CA-9374-EAD980F3E87F}"/>
+              </a:ext>
+            </a:extLst>
+          </p:cNvPr>
+          <p:cNvGraphicFramePr>
+            <a:graphicFrameLocks noGrp="1"/>
+          </p:cNvGraphicFramePr>
+          <p:nvPr>
+            <p:ph idx="1"/>
+            <p:extLst>
+              <p:ext uri="{D42A27DB-BD31-4B8C-83A1-F6EECF244321}">
+                <p14:modId xmlns:p14="http://schemas.microsoft.com/office/powerpoint/2010/main" val="702850624"/>
+              </p:ext>
+            </p:extLst>
+          </p:nvPr>
+        </p:nvGraphicFramePr>
+        <p:xfrm>
+          <a:off x="838200" y="1825625"/>
+          <a:ext cx="9835055" cy="4351338"/>
+        </p:xfrm>
+        <a:graphic>
+          <a:graphicData uri="http://schemas.openxmlformats.org/drawingml/2006/diagram">
+            <dgm:relIds xmlns:dgm="http://schemas.openxmlformats.org/drawingml/2006/diagram" xmlns:r="http://schemas.openxmlformats.org/officeDocument/2006/relationships" r:dm="rId2" r:lo="rId3" r:qs="rId4" r:cs="rId5"/>
+          </a:graphicData>
+        </a:graphic>
+      </p:graphicFrame>
+    </p:spTree>
+    <p:extLst>
+      <p:ext uri="{BB962C8B-B14F-4D97-AF65-F5344CB8AC3E}">
+        <p14:creationId xmlns:p14="http://schemas.microsoft.com/office/powerpoint/2010/main" val="4193656910"/>
+      </p:ext>
+    </p:extLst>
+  </p:cSld>
+  <p:clrMapOvr>
+    <a:masterClrMapping/>
+  </p:clrMapOvr>
+  <p:timing>
+    <p:tnLst>
+      <p:par>
+        <p:cTn id="1" dur="indefinite" restart="never" nodeType="tmRoot">
+          <p:childTnLst>
+            <p:seq concurrent="1" nextAc="seek">
+              <p:cTn id="2" dur="indefinite" nodeType="mainSeq">
+                <p:childTnLst>
+                  <p:par>
+                    <p:cTn id="3" fill="hold">
+                      <p:stCondLst>
+                        <p:cond delay="indefinite"/>
+                      </p:stCondLst>
+                      <p:childTnLst>
+                        <p:par>
+                          <p:cTn id="4" fill="hold">
+                            <p:stCondLst>
+                              <p:cond delay="0"/>
+                            </p:stCondLst>
+                            <p:childTnLst>
+                              <p:par>
+                                <p:cTn id="5" presetID="10" presetClass="entr" presetSubtype="0" fill="hold" grpId="0" nodeType="clickEffect">
+                                  <p:stCondLst>
+                                    <p:cond delay="0"/>
+                                  </p:stCondLst>
+                                  <p:childTnLst>
+                                    <p:set>
+                                      <p:cBhvr>
+                                        <p:cTn id="6" dur="1" fill="hold">
+                                          <p:stCondLst>
+                                            <p:cond delay="0"/>
+                                          </p:stCondLst>
+                                        </p:cTn>
+                                        <p:tgtEl>
+                                          <p:spTgt spid="5">
+                                            <p:graphicEl>
+                                              <a:dgm id="{FCF6E4A3-BFE0-4C89-84BE-FE5E3D3C64E1}"/>
+                                            </p:graphicEl>
+                                          </p:spTgt>
+                                        </p:tgtEl>
+                                        <p:attrNameLst>
+                                          <p:attrName>style.visibility</p:attrName>
+                                        </p:attrNameLst>
+                                      </p:cBhvr>
+                                      <p:to>
+                                        <p:strVal val="visible"/>
+                                      </p:to>
+                                    </p:set>
+                                    <p:animEffect transition="in" filter="fade">
+                                      <p:cBhvr>
+                                        <p:cTn id="7" dur="500"/>
+                                        <p:tgtEl>
+                                          <p:spTgt spid="5">
+                                            <p:graphicEl>
+                                              <a:dgm id="{FCF6E4A3-BFE0-4C89-84BE-FE5E3D3C64E1}"/>
+                                            </p:graphicEl>
+                                          </p:spTgt>
+                                        </p:tgtEl>
+                                      </p:cBhvr>
+                                    </p:animEffect>
+                                  </p:childTnLst>
+                                </p:cTn>
+                              </p:par>
+                            </p:childTnLst>
+                          </p:cTn>
+                        </p:par>
+                      </p:childTnLst>
+                    </p:cTn>
+                  </p:par>
+                  <p:par>
+                    <p:cTn id="8" fill="hold">
+                      <p:stCondLst>
+                        <p:cond delay="indefinite"/>
+                      </p:stCondLst>
+                      <p:childTnLst>
+                        <p:par>
+                          <p:cTn id="9" fill="hold">
+                            <p:stCondLst>
+                              <p:cond delay="0"/>
+                            </p:stCondLst>
+                            <p:childTnLst>
+                              <p:par>
+                                <p:cTn id="10" presetID="10" presetClass="entr" presetSubtype="0" fill="hold" grpId="0" nodeType="clickEffect">
+                                  <p:stCondLst>
+                                    <p:cond delay="0"/>
+                                  </p:stCondLst>
+                                  <p:childTnLst>
+                                    <p:set>
+                                      <p:cBhvr>
+                                        <p:cTn id="11" dur="1" fill="hold">
+                                          <p:stCondLst>
+                                            <p:cond delay="0"/>
+                                          </p:stCondLst>
+                                        </p:cTn>
+                                        <p:tgtEl>
+                                          <p:spTgt spid="5">
+                                            <p:graphicEl>
+                                              <a:dgm id="{8E078AC6-3435-4252-B1B0-2EEB0F14318C}"/>
+                                            </p:graphicEl>
+                                          </p:spTgt>
+                                        </p:tgtEl>
+                                        <p:attrNameLst>
+                                          <p:attrName>style.visibility</p:attrName>
+                                        </p:attrNameLst>
+                                      </p:cBhvr>
+                                      <p:to>
+                                        <p:strVal val="visible"/>
+                                      </p:to>
+                                    </p:set>
+                                    <p:animEffect transition="in" filter="fade">
+                                      <p:cBhvr>
+                                        <p:cTn id="12" dur="500"/>
+                                        <p:tgtEl>
+                                          <p:spTgt spid="5">
+                                            <p:graphicEl>
+                                              <a:dgm id="{8E078AC6-3435-4252-B1B0-2EEB0F14318C}"/>
+                                            </p:graphicEl>
+                                          </p:spTgt>
+                                        </p:tgtEl>
+                                      </p:cBhvr>
+                                    </p:animEffect>
+                                  </p:childTnLst>
+                                </p:cTn>
+                              </p:par>
+                            </p:childTnLst>
+                          </p:cTn>
+                        </p:par>
+                      </p:childTnLst>
+                    </p:cTn>
+                  </p:par>
+                </p:childTnLst>
+              </p:cTn>
+              <p:prevCondLst>
+                <p:cond evt="onPrev" delay="0">
+                  <p:tgtEl>
+                    <p:sldTgt/>
+                  </p:tgtEl>
+                </p:cond>
+              </p:prevCondLst>
+              <p:nextCondLst>
+                <p:cond evt="onNext" delay="0">
+                  <p:tgtEl>
+                    <p:sldTgt/>
+                  </p:tgtEl>
+                </p:cond>
+              </p:nextCondLst>
+            </p:seq>
+          </p:childTnLst>
+        </p:cTn>
+      </p:par>
+    </p:tnLst>
+    <p:bldLst>
+      <p:bldGraphic spid="5" grpId="0" uiExpand="1">
+        <p:bldSub>
+          <a:bldDgm bld="one"/>
+        </p:bldSub>
+      </p:bldGraphic>
+    </p:bldLst>
+  </p:timing>
+</p:sld>
+</file>
+
+<file path=ppt/slides/slide11.xml><?xml version="1.0" encoding="utf-8"?>
+<p:sld xmlns:a="http://schemas.openxmlformats.org/drawingml/2006/main" xmlns:r="http://schemas.openxmlformats.org/officeDocument/2006/relationships" xmlns:p="http://schemas.openxmlformats.org/presentationml/2006/main">
+  <p:cSld>
+    <p:spTree>
+      <p:nvGrpSpPr>
+        <p:cNvPr id="1" name=""/>
+        <p:cNvGrpSpPr/>
+        <p:nvPr/>
+      </p:nvGrpSpPr>
+      <p:grpSpPr>
+        <a:xfrm>
+          <a:off x="0" y="0"/>
+          <a:ext cx="0" cy="0"/>
+          <a:chOff x="0" y="0"/>
+          <a:chExt cx="0" cy="0"/>
+        </a:xfrm>
+      </p:grpSpPr>
+      <p:sp>
+        <p:nvSpPr>
+          <p:cNvPr id="2" name="Title 1">
+            <a:extLst>
+              <a:ext uri="{FF2B5EF4-FFF2-40B4-BE49-F238E27FC236}">
+                <a16:creationId xmlns:a16="http://schemas.microsoft.com/office/drawing/2014/main" id="{68B8412E-C858-4BE8-906B-39EEED726929}"/>
+              </a:ext>
+            </a:extLst>
+          </p:cNvPr>
+          <p:cNvSpPr>
+            <a:spLocks noGrp="1"/>
+          </p:cNvSpPr>
+          <p:nvPr>
+            <p:ph type="title"/>
+          </p:nvPr>
+        </p:nvSpPr>
+        <p:spPr/>
+        <p:txBody>
+          <a:bodyPr/>
+          <a:lstStyle/>
+          <a:p>
+            <a:pPr algn="r"/>
+            <a:r>
+              <a:rPr lang="he-IL" dirty="0"/>
+              <a:t>3. הכללת המודל – מידול התנודתיות</a:t>
+            </a:r>
+          </a:p>
+        </p:txBody>
+      </p:sp>
+      <p:pic>
+        <p:nvPicPr>
+          <p:cNvPr id="6" name="Content Placeholder 5" descr="A screenshot of a cell phone&#10;&#10;Description automatically generated">
+            <a:extLst>
+              <a:ext uri="{FF2B5EF4-FFF2-40B4-BE49-F238E27FC236}">
+                <a16:creationId xmlns:a16="http://schemas.microsoft.com/office/drawing/2014/main" id="{C6238EF1-E5A6-4B4D-A9A9-0CA2A8F69290}"/>
+              </a:ext>
+            </a:extLst>
+          </p:cNvPr>
+          <p:cNvPicPr>
+            <a:picLocks noGrp="1" noChangeAspect="1"/>
+          </p:cNvPicPr>
+          <p:nvPr>
+            <p:ph idx="1"/>
+          </p:nvPr>
+        </p:nvPicPr>
+        <p:blipFill>
+          <a:blip r:embed="rId2">
+            <a:extLst>
+              <a:ext uri="{28A0092B-C50C-407E-A947-70E740481C1C}">
+                <a14:useLocalDpi xmlns:a14="http://schemas.microsoft.com/office/drawing/2010/main" val="0"/>
+              </a:ext>
+            </a:extLst>
+          </a:blip>
+          <a:stretch>
+            <a:fillRect/>
+          </a:stretch>
+        </p:blipFill>
+        <p:spPr>
+          <a:xfrm>
+            <a:off x="2542478" y="1690688"/>
+            <a:ext cx="6782083" cy="5012124"/>
+          </a:xfrm>
+        </p:spPr>
+      </p:pic>
+      <p:pic>
+        <p:nvPicPr>
+          <p:cNvPr id="1028" name="Picture 4">
+            <a:extLst>
+              <a:ext uri="{FF2B5EF4-FFF2-40B4-BE49-F238E27FC236}">
+                <a16:creationId xmlns:a16="http://schemas.microsoft.com/office/drawing/2014/main" id="{04737F63-7086-4B02-8D98-560500041780}"/>
+              </a:ext>
+            </a:extLst>
+          </p:cNvPr>
+          <p:cNvPicPr>
+            <a:picLocks noChangeAspect="1" noChangeArrowheads="1"/>
+          </p:cNvPicPr>
+          <p:nvPr/>
+        </p:nvPicPr>
+        <p:blipFill>
+          <a:blip r:embed="rId3">
+            <a:extLst>
+              <a:ext uri="{28A0092B-C50C-407E-A947-70E740481C1C}">
+                <a14:useLocalDpi xmlns:a14="http://schemas.microsoft.com/office/drawing/2010/main" val="0"/>
+              </a:ext>
+            </a:extLst>
+          </a:blip>
+          <a:srcRect/>
+          <a:stretch>
+            <a:fillRect/>
+          </a:stretch>
+        </p:blipFill>
+        <p:spPr bwMode="auto">
+          <a:xfrm>
+            <a:off x="2459772" y="1690689"/>
+            <a:ext cx="6864789" cy="5012123"/>
+          </a:xfrm>
+          <a:prstGeom prst="rect">
+            <a:avLst/>
+          </a:prstGeom>
+          <a:noFill/>
+          <a:extLst>
+            <a:ext uri="{909E8E84-426E-40DD-AFC4-6F175D3DCCD1}">
+              <a14:hiddenFill xmlns:a14="http://schemas.microsoft.com/office/drawing/2010/main">
+                <a:solidFill>
+                  <a:srgbClr val="FFFFFF"/>
+                </a:solidFill>
+              </a14:hiddenFill>
+            </a:ext>
+          </a:extLst>
+        </p:spPr>
+      </p:pic>
+      <p:pic>
+        <p:nvPicPr>
+          <p:cNvPr id="12" name="Picture 11" descr="A close up of a device&#10;&#10;Description automatically generated">
+            <a:extLst>
+              <a:ext uri="{FF2B5EF4-FFF2-40B4-BE49-F238E27FC236}">
+                <a16:creationId xmlns:a16="http://schemas.microsoft.com/office/drawing/2014/main" id="{181E9111-2BBA-4DD6-BFB0-62D167B2F0B7}"/>
+              </a:ext>
+            </a:extLst>
+          </p:cNvPr>
+          <p:cNvPicPr>
+            <a:picLocks noChangeAspect="1"/>
+          </p:cNvPicPr>
+          <p:nvPr/>
+        </p:nvPicPr>
+        <p:blipFill rotWithShape="1">
+          <a:blip r:embed="rId4">
+            <a:extLst>
+              <a:ext uri="{28A0092B-C50C-407E-A947-70E740481C1C}">
+                <a14:useLocalDpi xmlns:a14="http://schemas.microsoft.com/office/drawing/2010/main" val="0"/>
+              </a:ext>
+              <a:ext uri="{837473B0-CC2E-450A-ABE3-18F120FF3D39}">
+                <a1611:picAttrSrcUrl xmlns:a1611="http://schemas.microsoft.com/office/drawing/2016/11/main" r:id="rId5"/>
+              </a:ext>
+            </a:extLst>
+          </a:blip>
+          <a:srcRect l="58064" t="10725" r="33940" b="50000"/>
+          <a:stretch/>
+        </p:blipFill>
+        <p:spPr>
+          <a:xfrm>
+            <a:off x="6960941" y="3314700"/>
+            <a:ext cx="324961" cy="762736"/>
+          </a:xfrm>
+          <a:prstGeom prst="rect">
+            <a:avLst/>
+          </a:prstGeom>
+        </p:spPr>
+      </p:pic>
+      <p:pic>
+        <p:nvPicPr>
+          <p:cNvPr id="15" name="Picture 14" descr="A close up of a device&#10;&#10;Description automatically generated">
+            <a:extLst>
+              <a:ext uri="{FF2B5EF4-FFF2-40B4-BE49-F238E27FC236}">
+                <a16:creationId xmlns:a16="http://schemas.microsoft.com/office/drawing/2014/main" id="{2B85DAD4-4C66-4280-ACE7-DA449B869803}"/>
+              </a:ext>
+            </a:extLst>
+          </p:cNvPr>
+          <p:cNvPicPr>
+            <a:picLocks noChangeAspect="1"/>
+          </p:cNvPicPr>
+          <p:nvPr/>
+        </p:nvPicPr>
+        <p:blipFill rotWithShape="1">
+          <a:blip r:embed="rId4">
+            <a:extLst>
+              <a:ext uri="{28A0092B-C50C-407E-A947-70E740481C1C}">
+                <a14:useLocalDpi xmlns:a14="http://schemas.microsoft.com/office/drawing/2010/main" val="0"/>
+              </a:ext>
+              <a:ext uri="{837473B0-CC2E-450A-ABE3-18F120FF3D39}">
+                <a1611:picAttrSrcUrl xmlns:a1611="http://schemas.microsoft.com/office/drawing/2016/11/main" r:id="rId5"/>
+              </a:ext>
+            </a:extLst>
+          </a:blip>
+          <a:srcRect l="58064" t="10725" r="33940" b="50000"/>
+          <a:stretch/>
+        </p:blipFill>
+        <p:spPr>
+          <a:xfrm>
+            <a:off x="5771041" y="4077436"/>
+            <a:ext cx="324960" cy="1296869"/>
+          </a:xfrm>
+          <a:prstGeom prst="rect">
+            <a:avLst/>
+          </a:prstGeom>
+        </p:spPr>
+      </p:pic>
+      <p:pic>
+        <p:nvPicPr>
+          <p:cNvPr id="16" name="Picture 15" descr="A close up of a device&#10;&#10;Description automatically generated">
+            <a:extLst>
+              <a:ext uri="{FF2B5EF4-FFF2-40B4-BE49-F238E27FC236}">
+                <a16:creationId xmlns:a16="http://schemas.microsoft.com/office/drawing/2014/main" id="{30FF479F-C3AF-4D2F-A72B-71D060DD9A40}"/>
+              </a:ext>
+            </a:extLst>
+          </p:cNvPr>
+          <p:cNvPicPr>
+            <a:picLocks noChangeAspect="1"/>
+          </p:cNvPicPr>
+          <p:nvPr/>
+        </p:nvPicPr>
+        <p:blipFill rotWithShape="1">
+          <a:blip r:embed="rId4">
+            <a:extLst>
+              <a:ext uri="{28A0092B-C50C-407E-A947-70E740481C1C}">
+                <a14:useLocalDpi xmlns:a14="http://schemas.microsoft.com/office/drawing/2010/main" val="0"/>
+              </a:ext>
+              <a:ext uri="{837473B0-CC2E-450A-ABE3-18F120FF3D39}">
+                <a1611:picAttrSrcUrl xmlns:a1611="http://schemas.microsoft.com/office/drawing/2016/11/main" r:id="rId5"/>
+              </a:ext>
+            </a:extLst>
+          </a:blip>
+          <a:srcRect l="58064" t="10725" r="33940" b="50000"/>
+          <a:stretch/>
+        </p:blipFill>
+        <p:spPr>
+          <a:xfrm flipH="1">
+            <a:off x="5094844" y="3469230"/>
+            <a:ext cx="152400" cy="608206"/>
+          </a:xfrm>
+          <a:prstGeom prst="rect">
+            <a:avLst/>
+          </a:prstGeom>
+        </p:spPr>
+      </p:pic>
+    </p:spTree>
+    <p:extLst>
+      <p:ext uri="{BB962C8B-B14F-4D97-AF65-F5344CB8AC3E}">
+        <p14:creationId xmlns:p14="http://schemas.microsoft.com/office/powerpoint/2010/main" val="1441488630"/>
+      </p:ext>
+    </p:extLst>
+  </p:cSld>
+  <p:clrMapOvr>
+    <a:masterClrMapping/>
+  </p:clrMapOvr>
+  <p:timing>
+    <p:tnLst>
+      <p:par>
+        <p:cTn id="1" dur="indefinite" restart="never" nodeType="tmRoot">
+          <p:childTnLst>
+            <p:seq concurrent="1" nextAc="seek">
+              <p:cTn id="2" dur="indefinite" nodeType="mainSeq">
+                <p:childTnLst>
+                  <p:par>
+                    <p:cTn id="3" fill="hold">
+                      <p:stCondLst>
+                        <p:cond delay="indefinite"/>
+                      </p:stCondLst>
+                      <p:childTnLst>
+                        <p:par>
+                          <p:cTn id="4" fill="hold">
+                            <p:stCondLst>
+                              <p:cond delay="0"/>
+                            </p:stCondLst>
+                            <p:childTnLst>
+                              <p:par>
+                                <p:cTn id="5" presetID="10" presetClass="entr" presetSubtype="0" fill="hold" nodeType="clickEffect">
+                                  <p:stCondLst>
+                                    <p:cond delay="0"/>
+                                  </p:stCondLst>
+                                  <p:childTnLst>
+                                    <p:set>
+                                      <p:cBhvr>
+                                        <p:cTn id="6" dur="1" fill="hold">
+                                          <p:stCondLst>
+                                            <p:cond delay="0"/>
+                                          </p:stCondLst>
+                                        </p:cTn>
+                                        <p:tgtEl>
+                                          <p:spTgt spid="1028"/>
+                                        </p:tgtEl>
+                                        <p:attrNameLst>
+                                          <p:attrName>style.visibility</p:attrName>
+                                        </p:attrNameLst>
+                                      </p:cBhvr>
+                                      <p:to>
+                                        <p:strVal val="visible"/>
+                                      </p:to>
+                                    </p:set>
+                                    <p:animEffect transition="in" filter="fade">
+                                      <p:cBhvr>
+                                        <p:cTn id="7" dur="500"/>
+                                        <p:tgtEl>
+                                          <p:spTgt spid="1028"/>
+                                        </p:tgtEl>
+                                      </p:cBhvr>
+                                    </p:animEffect>
+                                  </p:childTnLst>
+                                </p:cTn>
+                              </p:par>
+                            </p:childTnLst>
+                          </p:cTn>
+                        </p:par>
+                      </p:childTnLst>
+                    </p:cTn>
+                  </p:par>
+                  <p:par>
+                    <p:cTn id="8" fill="hold">
+                      <p:stCondLst>
+                        <p:cond delay="indefinite"/>
+                      </p:stCondLst>
+                      <p:childTnLst>
+                        <p:par>
+                          <p:cTn id="9" fill="hold">
+                            <p:stCondLst>
+                              <p:cond delay="0"/>
+                            </p:stCondLst>
+                            <p:childTnLst>
+                              <p:par>
+                                <p:cTn id="10" presetID="10" presetClass="entr" presetSubtype="0" fill="hold" nodeType="clickEffect">
+                                  <p:stCondLst>
+                                    <p:cond delay="0"/>
+                                  </p:stCondLst>
+                                  <p:childTnLst>
+                                    <p:set>
+                                      <p:cBhvr>
+                                        <p:cTn id="11" dur="1" fill="hold">
+                                          <p:stCondLst>
+                                            <p:cond delay="0"/>
+                                          </p:stCondLst>
+                                        </p:cTn>
+                                        <p:tgtEl>
+                                          <p:spTgt spid="6"/>
+                                        </p:tgtEl>
+                                        <p:attrNameLst>
+                                          <p:attrName>style.visibility</p:attrName>
+                                        </p:attrNameLst>
+                                      </p:cBhvr>
+                                      <p:to>
+                                        <p:strVal val="visible"/>
+                                      </p:to>
+                                    </p:set>
+                                    <p:animEffect transition="in" filter="fade">
+                                      <p:cBhvr>
+                                        <p:cTn id="12" dur="500"/>
+                                        <p:tgtEl>
+                                          <p:spTgt spid="6"/>
+                                        </p:tgtEl>
+                                      </p:cBhvr>
+                                    </p:animEffect>
+                                  </p:childTnLst>
+                                </p:cTn>
+                              </p:par>
+                              <p:par>
+                                <p:cTn id="13" presetID="10" presetClass="exit" presetSubtype="0" fill="hold" nodeType="withEffect">
+                                  <p:stCondLst>
+                                    <p:cond delay="0"/>
+                                  </p:stCondLst>
+                                  <p:childTnLst>
+                                    <p:animEffect transition="out" filter="fade">
+                                      <p:cBhvr>
+                                        <p:cTn id="14" dur="500"/>
+                                        <p:tgtEl>
+                                          <p:spTgt spid="1028"/>
+                                        </p:tgtEl>
+                                      </p:cBhvr>
+                                    </p:animEffect>
+                                    <p:set>
+                                      <p:cBhvr>
+                                        <p:cTn id="15" dur="1" fill="hold">
+                                          <p:stCondLst>
+                                            <p:cond delay="499"/>
+                                          </p:stCondLst>
+                                        </p:cTn>
+                                        <p:tgtEl>
+                                          <p:spTgt spid="1028"/>
+                                        </p:tgtEl>
+                                        <p:attrNameLst>
+                                          <p:attrName>style.visibility</p:attrName>
+                                        </p:attrNameLst>
+                                      </p:cBhvr>
+                                      <p:to>
+                                        <p:strVal val="hidden"/>
+                                      </p:to>
+                                    </p:set>
+                                  </p:childTnLst>
+                                </p:cTn>
+                              </p:par>
+                            </p:childTnLst>
+                          </p:cTn>
+                        </p:par>
+                      </p:childTnLst>
+                    </p:cTn>
+                  </p:par>
+                  <p:par>
+                    <p:cTn id="16" fill="hold">
+                      <p:stCondLst>
+                        <p:cond delay="indefinite"/>
+                      </p:stCondLst>
+                      <p:childTnLst>
+                        <p:par>
+                          <p:cTn id="17" fill="hold">
+                            <p:stCondLst>
+                              <p:cond delay="0"/>
+                            </p:stCondLst>
+                            <p:childTnLst>
+                              <p:par>
+                                <p:cTn id="18" presetID="26" presetClass="entr" presetSubtype="0" fill="hold" nodeType="clickEffect">
+                                  <p:stCondLst>
+                                    <p:cond delay="0"/>
+                                  </p:stCondLst>
+                                  <p:childTnLst>
+                                    <p:set>
+                                      <p:cBhvr>
+                                        <p:cTn id="19" dur="1" fill="hold">
+                                          <p:stCondLst>
+                                            <p:cond delay="0"/>
+                                          </p:stCondLst>
+                                        </p:cTn>
+                                        <p:tgtEl>
+                                          <p:spTgt spid="12"/>
+                                        </p:tgtEl>
+                                        <p:attrNameLst>
+                                          <p:attrName>style.visibility</p:attrName>
+                                        </p:attrNameLst>
+                                      </p:cBhvr>
+                                      <p:to>
+                                        <p:strVal val="visible"/>
+                                      </p:to>
+                                    </p:set>
+                                    <p:animEffect transition="in" filter="wipe(down)">
+                                      <p:cBhvr>
+                                        <p:cTn id="20" dur="580">
+                                          <p:stCondLst>
+                                            <p:cond delay="0"/>
+                                          </p:stCondLst>
+                                        </p:cTn>
+                                        <p:tgtEl>
+                                          <p:spTgt spid="12"/>
+                                        </p:tgtEl>
+                                      </p:cBhvr>
+                                    </p:animEffect>
+                                    <p:anim calcmode="lin" valueType="num">
+                                      <p:cBhvr>
+                                        <p:cTn id="21" dur="1822" tmFilter="0,0; 0.14,0.36; 0.43,0.73; 0.71,0.91; 1.0,1.0">
+                                          <p:stCondLst>
+                                            <p:cond delay="0"/>
+                                          </p:stCondLst>
+                                        </p:cTn>
+                                        <p:tgtEl>
+                                          <p:spTgt spid="12"/>
+                                        </p:tgtEl>
+                                        <p:attrNameLst>
+                                          <p:attrName>ppt_x</p:attrName>
+                                        </p:attrNameLst>
+                                      </p:cBhvr>
+                                      <p:tavLst>
+                                        <p:tav tm="0">
+                                          <p:val>
+                                            <p:strVal val="#ppt_x-0.25"/>
+                                          </p:val>
+                                        </p:tav>
+                                        <p:tav tm="100000">
+                                          <p:val>
+                                            <p:strVal val="#ppt_x"/>
+                                          </p:val>
+                                        </p:tav>
+                                      </p:tavLst>
+                                    </p:anim>
+                                    <p:anim calcmode="lin" valueType="num">
+                                      <p:cBhvr>
+                                        <p:cTn id="22" dur="664" tmFilter="0.0,0.0; 0.25,0.07; 0.50,0.2; 0.75,0.467; 1.0,1.0">
+                                          <p:stCondLst>
+                                            <p:cond delay="0"/>
+                                          </p:stCondLst>
+                                        </p:cTn>
+                                        <p:tgtEl>
+                                          <p:spTgt spid="12"/>
+                                        </p:tgtEl>
+                                        <p:attrNameLst>
+                                          <p:attrName>ppt_y</p:attrName>
+                                        </p:attrNameLst>
+                                      </p:cBhvr>
+                                      <p:tavLst>
+                                        <p:tav tm="0" fmla="#ppt_y-sin(pi*$)/3">
+                                          <p:val>
+                                            <p:fltVal val="0.5"/>
+                                          </p:val>
+                                        </p:tav>
+                                        <p:tav tm="100000">
+                                          <p:val>
+                                            <p:fltVal val="1"/>
+                                          </p:val>
+                                        </p:tav>
+                                      </p:tavLst>
+                                    </p:anim>
+                                    <p:anim calcmode="lin" valueType="num">
+                                      <p:cBhvr>
+                                        <p:cTn id="23" dur="664" tmFilter="0, 0; 0.125,0.2665; 0.25,0.4; 0.375,0.465; 0.5,0.5;  0.625,0.535; 0.75,0.6; 0.875,0.7335; 1,1">
+                                          <p:stCondLst>
+                                            <p:cond delay="664"/>
+                                          </p:stCondLst>
+                                        </p:cTn>
+                                        <p:tgtEl>
+                                          <p:spTgt spid="12"/>
+                                        </p:tgtEl>
+                                        <p:attrNameLst>
+                                          <p:attrName>ppt_y</p:attrName>
+                                        </p:attrNameLst>
+                                      </p:cBhvr>
+                                      <p:tavLst>
+                                        <p:tav tm="0" fmla="#ppt_y-sin(pi*$)/9">
+                                          <p:val>
+                                            <p:fltVal val="0"/>
+                                          </p:val>
+                                        </p:tav>
+                                        <p:tav tm="100000">
+                                          <p:val>
+                                            <p:fltVal val="1"/>
+                                          </p:val>
+                                        </p:tav>
+                                      </p:tavLst>
+                                    </p:anim>
+                                    <p:anim calcmode="lin" valueType="num">
+                                      <p:cBhvr>
+                                        <p:cTn id="24" dur="332" tmFilter="0, 0; 0.125,0.2665; 0.25,0.4; 0.375,0.465; 0.5,0.5;  0.625,0.535; 0.75,0.6; 0.875,0.7335; 1,1">
+                                          <p:stCondLst>
+                                            <p:cond delay="1324"/>
+                                          </p:stCondLst>
+                                        </p:cTn>
+                                        <p:tgtEl>
+                                          <p:spTgt spid="12"/>
+                                        </p:tgtEl>
+                                        <p:attrNameLst>
+                                          <p:attrName>ppt_y</p:attrName>
+                                        </p:attrNameLst>
+                                      </p:cBhvr>
+                                      <p:tavLst>
+                                        <p:tav tm="0" fmla="#ppt_y-sin(pi*$)/27">
+                                          <p:val>
+                                            <p:fltVal val="0"/>
+                                          </p:val>
+                                        </p:tav>
+                                        <p:tav tm="100000">
+                                          <p:val>
+                                            <p:fltVal val="1"/>
+                                          </p:val>
+                                        </p:tav>
+                                      </p:tavLst>
+                                    </p:anim>
+                                    <p:anim calcmode="lin" valueType="num">
+                                      <p:cBhvr>
+                                        <p:cTn id="25" dur="164" tmFilter="0, 0; 0.125,0.2665; 0.25,0.4; 0.375,0.465; 0.5,0.5;  0.625,0.535; 0.75,0.6; 0.875,0.7335; 1,1">
+                                          <p:stCondLst>
+                                            <p:cond delay="1656"/>
+                                          </p:stCondLst>
+                                        </p:cTn>
+                                        <p:tgtEl>
+                                          <p:spTgt spid="12"/>
+                                        </p:tgtEl>
+                                        <p:attrNameLst>
+                                          <p:attrName>ppt_y</p:attrName>
+                                        </p:attrNameLst>
+                                      </p:cBhvr>
+                                      <p:tavLst>
+                                        <p:tav tm="0" fmla="#ppt_y-sin(pi*$)/81">
+                                          <p:val>
+                                            <p:fltVal val="0"/>
+                                          </p:val>
+                                        </p:tav>
+                                        <p:tav tm="100000">
+                                          <p:val>
+                                            <p:fltVal val="1"/>
+                                          </p:val>
+                                        </p:tav>
+                                      </p:tavLst>
+                                    </p:anim>
+                                    <p:animScale>
+                                      <p:cBhvr>
+                                        <p:cTn id="26" dur="26">
+                                          <p:stCondLst>
+                                            <p:cond delay="650"/>
+                                          </p:stCondLst>
+                                        </p:cTn>
+                                        <p:tgtEl>
+                                          <p:spTgt spid="12"/>
+                                        </p:tgtEl>
+                                      </p:cBhvr>
+                                      <p:to x="100000" y="60000"/>
+                                    </p:animScale>
+                                    <p:animScale>
+                                      <p:cBhvr>
+                                        <p:cTn id="27" dur="166" decel="50000">
+                                          <p:stCondLst>
+                                            <p:cond delay="676"/>
+                                          </p:stCondLst>
+                                        </p:cTn>
+                                        <p:tgtEl>
+                                          <p:spTgt spid="12"/>
+                                        </p:tgtEl>
+                                      </p:cBhvr>
+                                      <p:to x="100000" y="100000"/>
+                                    </p:animScale>
+                                    <p:animScale>
+                                      <p:cBhvr>
+                                        <p:cTn id="28" dur="26">
+                                          <p:stCondLst>
+                                            <p:cond delay="1312"/>
+                                          </p:stCondLst>
+                                        </p:cTn>
+                                        <p:tgtEl>
+                                          <p:spTgt spid="12"/>
+                                        </p:tgtEl>
+                                      </p:cBhvr>
+                                      <p:to x="100000" y="80000"/>
+                                    </p:animScale>
+                                    <p:animScale>
+                                      <p:cBhvr>
+                                        <p:cTn id="29" dur="166" decel="50000">
+                                          <p:stCondLst>
+                                            <p:cond delay="1338"/>
+                                          </p:stCondLst>
+                                        </p:cTn>
+                                        <p:tgtEl>
+                                          <p:spTgt spid="12"/>
+                                        </p:tgtEl>
+                                      </p:cBhvr>
+                                      <p:to x="100000" y="100000"/>
+                                    </p:animScale>
+                                    <p:animScale>
+                                      <p:cBhvr>
+                                        <p:cTn id="30" dur="26">
+                                          <p:stCondLst>
+                                            <p:cond delay="1642"/>
+                                          </p:stCondLst>
+                                        </p:cTn>
+                                        <p:tgtEl>
+                                          <p:spTgt spid="12"/>
+                                        </p:tgtEl>
+                                      </p:cBhvr>
+                                      <p:to x="100000" y="90000"/>
+                                    </p:animScale>
+                                    <p:animScale>
+                                      <p:cBhvr>
+                                        <p:cTn id="31" dur="166" decel="50000">
+                                          <p:stCondLst>
+                                            <p:cond delay="1668"/>
+                                          </p:stCondLst>
+                                        </p:cTn>
+                                        <p:tgtEl>
+                                          <p:spTgt spid="12"/>
+                                        </p:tgtEl>
+                                      </p:cBhvr>
+                                      <p:to x="100000" y="100000"/>
+                                    </p:animScale>
+                                    <p:animScale>
+                                      <p:cBhvr>
+                                        <p:cTn id="32" dur="26">
+                                          <p:stCondLst>
+                                            <p:cond delay="1808"/>
+                                          </p:stCondLst>
+                                        </p:cTn>
+                                        <p:tgtEl>
+                                          <p:spTgt spid="12"/>
+                                        </p:tgtEl>
+                                      </p:cBhvr>
+                                      <p:to x="100000" y="95000"/>
+                                    </p:animScale>
+                                    <p:animScale>
+                                      <p:cBhvr>
+                                        <p:cTn id="33" dur="166" decel="50000">
+                                          <p:stCondLst>
+                                            <p:cond delay="1834"/>
+                                          </p:stCondLst>
+                                        </p:cTn>
+                                        <p:tgtEl>
+                                          <p:spTgt spid="12"/>
+                                        </p:tgtEl>
+                                      </p:cBhvr>
+                                      <p:to x="100000" y="100000"/>
+                                    </p:animScale>
+                                  </p:childTnLst>
+                                </p:cTn>
+                              </p:par>
+                              <p:par>
+                                <p:cTn id="34" presetID="26" presetClass="entr" presetSubtype="0" fill="hold" nodeType="withEffect">
+                                  <p:stCondLst>
+                                    <p:cond delay="0"/>
+                                  </p:stCondLst>
+                                  <p:childTnLst>
+                                    <p:set>
+                                      <p:cBhvr>
+                                        <p:cTn id="35" dur="1" fill="hold">
+                                          <p:stCondLst>
+                                            <p:cond delay="0"/>
+                                          </p:stCondLst>
+                                        </p:cTn>
+                                        <p:tgtEl>
+                                          <p:spTgt spid="15"/>
+                                        </p:tgtEl>
+                                        <p:attrNameLst>
+                                          <p:attrName>style.visibility</p:attrName>
+                                        </p:attrNameLst>
+                                      </p:cBhvr>
+                                      <p:to>
+                                        <p:strVal val="visible"/>
+                                      </p:to>
+                                    </p:set>
+                                    <p:animEffect transition="in" filter="wipe(down)">
+                                      <p:cBhvr>
+                                        <p:cTn id="36" dur="580">
+                                          <p:stCondLst>
+                                            <p:cond delay="0"/>
+                                          </p:stCondLst>
+                                        </p:cTn>
+                                        <p:tgtEl>
+                                          <p:spTgt spid="15"/>
+                                        </p:tgtEl>
+                                      </p:cBhvr>
+                                    </p:animEffect>
+                                    <p:anim calcmode="lin" valueType="num">
+                                      <p:cBhvr>
+                                        <p:cTn id="37" dur="1822" tmFilter="0,0; 0.14,0.36; 0.43,0.73; 0.71,0.91; 1.0,1.0">
+                                          <p:stCondLst>
+                                            <p:cond delay="0"/>
+                                          </p:stCondLst>
+                                        </p:cTn>
+                                        <p:tgtEl>
+                                          <p:spTgt spid="15"/>
+                                        </p:tgtEl>
+                                        <p:attrNameLst>
+                                          <p:attrName>ppt_x</p:attrName>
+                                        </p:attrNameLst>
+                                      </p:cBhvr>
+                                      <p:tavLst>
+                                        <p:tav tm="0">
+                                          <p:val>
+                                            <p:strVal val="#ppt_x-0.25"/>
+                                          </p:val>
+                                        </p:tav>
+                                        <p:tav tm="100000">
+                                          <p:val>
+                                            <p:strVal val="#ppt_x"/>
+                                          </p:val>
+                                        </p:tav>
+                                      </p:tavLst>
+                                    </p:anim>
+                                    <p:anim calcmode="lin" valueType="num">
+                                      <p:cBhvr>
+                                        <p:cTn id="38" dur="664" tmFilter="0.0,0.0; 0.25,0.07; 0.50,0.2; 0.75,0.467; 1.0,1.0">
+                                          <p:stCondLst>
+                                            <p:cond delay="0"/>
+                                          </p:stCondLst>
+                                        </p:cTn>
+                                        <p:tgtEl>
+                                          <p:spTgt spid="15"/>
+                                        </p:tgtEl>
+                                        <p:attrNameLst>
+                                          <p:attrName>ppt_y</p:attrName>
+                                        </p:attrNameLst>
+                                      </p:cBhvr>
+                                      <p:tavLst>
+                                        <p:tav tm="0" fmla="#ppt_y-sin(pi*$)/3">
+                                          <p:val>
+                                            <p:fltVal val="0.5"/>
+                                          </p:val>
+                                        </p:tav>
+                                        <p:tav tm="100000">
+                                          <p:val>
+                                            <p:fltVal val="1"/>
+                                          </p:val>
+                                        </p:tav>
+                                      </p:tavLst>
+                                    </p:anim>
+                                    <p:anim calcmode="lin" valueType="num">
+                                      <p:cBhvr>
+                                        <p:cTn id="39" dur="664" tmFilter="0, 0; 0.125,0.2665; 0.25,0.4; 0.375,0.465; 0.5,0.5;  0.625,0.535; 0.75,0.6; 0.875,0.7335; 1,1">
+                                          <p:stCondLst>
+                                            <p:cond delay="664"/>
+                                          </p:stCondLst>
+                                        </p:cTn>
+                                        <p:tgtEl>
+                                          <p:spTgt spid="15"/>
+                                        </p:tgtEl>
+                                        <p:attrNameLst>
+                                          <p:attrName>ppt_y</p:attrName>
+                                        </p:attrNameLst>
+                                      </p:cBhvr>
+                                      <p:tavLst>
+                                        <p:tav tm="0" fmla="#ppt_y-sin(pi*$)/9">
+                                          <p:val>
+                                            <p:fltVal val="0"/>
+                                          </p:val>
+                                        </p:tav>
+                                        <p:tav tm="100000">
+                                          <p:val>
+                                            <p:fltVal val="1"/>
+                                          </p:val>
+                                        </p:tav>
+                                      </p:tavLst>
+                                    </p:anim>
+                                    <p:anim calcmode="lin" valueType="num">
+                                      <p:cBhvr>
+                                        <p:cTn id="40" dur="332" tmFilter="0, 0; 0.125,0.2665; 0.25,0.4; 0.375,0.465; 0.5,0.5;  0.625,0.535; 0.75,0.6; 0.875,0.7335; 1,1">
+                                          <p:stCondLst>
+                                            <p:cond delay="1324"/>
+                                          </p:stCondLst>
+                                        </p:cTn>
+                                        <p:tgtEl>
+                                          <p:spTgt spid="15"/>
+                                        </p:tgtEl>
+                                        <p:attrNameLst>
+                                          <p:attrName>ppt_y</p:attrName>
+                                        </p:attrNameLst>
+                                      </p:cBhvr>
+                                      <p:tavLst>
+                                        <p:tav tm="0" fmla="#ppt_y-sin(pi*$)/27">
+                                          <p:val>
+                                            <p:fltVal val="0"/>
+                                          </p:val>
+                                        </p:tav>
+                                        <p:tav tm="100000">
+                                          <p:val>
+                                            <p:fltVal val="1"/>
+                                          </p:val>
+                                        </p:tav>
+                                      </p:tavLst>
+                                    </p:anim>
+                                    <p:anim calcmode="lin" valueType="num">
+                                      <p:cBhvr>
+                                        <p:cTn id="41" dur="164" tmFilter="0, 0; 0.125,0.2665; 0.25,0.4; 0.375,0.465; 0.5,0.5;  0.625,0.535; 0.75,0.6; 0.875,0.7335; 1,1">
+                                          <p:stCondLst>
+                                            <p:cond delay="1656"/>
+                                          </p:stCondLst>
+                                        </p:cTn>
+                                        <p:tgtEl>
+                                          <p:spTgt spid="15"/>
+                                        </p:tgtEl>
+                                        <p:attrNameLst>
+                                          <p:attrName>ppt_y</p:attrName>
+                                        </p:attrNameLst>
+                                      </p:cBhvr>
+                                      <p:tavLst>
+                                        <p:tav tm="0" fmla="#ppt_y-sin(pi*$)/81">
+                                          <p:val>
+                                            <p:fltVal val="0"/>
+                                          </p:val>
+                                        </p:tav>
+                                        <p:tav tm="100000">
+                                          <p:val>
+                                            <p:fltVal val="1"/>
+                                          </p:val>
+                                        </p:tav>
+                                      </p:tavLst>
+                                    </p:anim>
+                                    <p:animScale>
+                                      <p:cBhvr>
+                                        <p:cTn id="42" dur="26">
+                                          <p:stCondLst>
+                                            <p:cond delay="650"/>
+                                          </p:stCondLst>
+                                        </p:cTn>
+                                        <p:tgtEl>
+                                          <p:spTgt spid="15"/>
+                                        </p:tgtEl>
+                                      </p:cBhvr>
+                                      <p:to x="100000" y="60000"/>
+                                    </p:animScale>
+                                    <p:animScale>
+                                      <p:cBhvr>
+                                        <p:cTn id="43" dur="166" decel="50000">
+                                          <p:stCondLst>
+                                            <p:cond delay="676"/>
+                                          </p:stCondLst>
+                                        </p:cTn>
+                                        <p:tgtEl>
+                                          <p:spTgt spid="15"/>
+                                        </p:tgtEl>
+                                      </p:cBhvr>
+                                      <p:to x="100000" y="100000"/>
+                                    </p:animScale>
+                                    <p:animScale>
+                                      <p:cBhvr>
+                                        <p:cTn id="44" dur="26">
+                                          <p:stCondLst>
+                                            <p:cond delay="1312"/>
+                                          </p:stCondLst>
+                                        </p:cTn>
+                                        <p:tgtEl>
+                                          <p:spTgt spid="15"/>
+                                        </p:tgtEl>
+                                      </p:cBhvr>
+                                      <p:to x="100000" y="80000"/>
+                                    </p:animScale>
+                                    <p:animScale>
+                                      <p:cBhvr>
+                                        <p:cTn id="45" dur="166" decel="50000">
+                                          <p:stCondLst>
+                                            <p:cond delay="1338"/>
+                                          </p:stCondLst>
+                                        </p:cTn>
+                                        <p:tgtEl>
+                                          <p:spTgt spid="15"/>
+                                        </p:tgtEl>
+                                      </p:cBhvr>
+                                      <p:to x="100000" y="100000"/>
+                                    </p:animScale>
+                                    <p:animScale>
+                                      <p:cBhvr>
+                                        <p:cTn id="46" dur="26">
+                                          <p:stCondLst>
+                                            <p:cond delay="1642"/>
+                                          </p:stCondLst>
+                                        </p:cTn>
+                                        <p:tgtEl>
+                                          <p:spTgt spid="15"/>
+                                        </p:tgtEl>
+                                      </p:cBhvr>
+                                      <p:to x="100000" y="90000"/>
+                                    </p:animScale>
+                                    <p:animScale>
+                                      <p:cBhvr>
+                                        <p:cTn id="47" dur="166" decel="50000">
+                                          <p:stCondLst>
+                                            <p:cond delay="1668"/>
+                                          </p:stCondLst>
+                                        </p:cTn>
+                                        <p:tgtEl>
+                                          <p:spTgt spid="15"/>
+                                        </p:tgtEl>
+                                      </p:cBhvr>
+                                      <p:to x="100000" y="100000"/>
+                                    </p:animScale>
+                                    <p:animScale>
+                                      <p:cBhvr>
+                                        <p:cTn id="48" dur="26">
+                                          <p:stCondLst>
+                                            <p:cond delay="1808"/>
+                                          </p:stCondLst>
+                                        </p:cTn>
+                                        <p:tgtEl>
+                                          <p:spTgt spid="15"/>
+                                        </p:tgtEl>
+                                      </p:cBhvr>
+                                      <p:to x="100000" y="95000"/>
+                                    </p:animScale>
+                                    <p:animScale>
+                                      <p:cBhvr>
+                                        <p:cTn id="49" dur="166" decel="50000">
+                                          <p:stCondLst>
+                                            <p:cond delay="1834"/>
+                                          </p:stCondLst>
+                                        </p:cTn>
+                                        <p:tgtEl>
+                                          <p:spTgt spid="15"/>
+                                        </p:tgtEl>
+                                      </p:cBhvr>
+                                      <p:to x="100000" y="100000"/>
+                                    </p:animScale>
+                                  </p:childTnLst>
+                                </p:cTn>
+                              </p:par>
+                              <p:par>
+                                <p:cTn id="50" presetID="26" presetClass="entr" presetSubtype="0" fill="hold" nodeType="withEffect">
+                                  <p:stCondLst>
+                                    <p:cond delay="0"/>
+                                  </p:stCondLst>
+                                  <p:childTnLst>
+                                    <p:set>
+                                      <p:cBhvr>
+                                        <p:cTn id="51" dur="1" fill="hold">
+                                          <p:stCondLst>
+                                            <p:cond delay="0"/>
+                                          </p:stCondLst>
+                                        </p:cTn>
+                                        <p:tgtEl>
+                                          <p:spTgt spid="16"/>
+                                        </p:tgtEl>
+                                        <p:attrNameLst>
+                                          <p:attrName>style.visibility</p:attrName>
+                                        </p:attrNameLst>
+                                      </p:cBhvr>
+                                      <p:to>
+                                        <p:strVal val="visible"/>
+                                      </p:to>
+                                    </p:set>
+                                    <p:animEffect transition="in" filter="wipe(down)">
+                                      <p:cBhvr>
+                                        <p:cTn id="52" dur="580">
+                                          <p:stCondLst>
+                                            <p:cond delay="0"/>
+                                          </p:stCondLst>
+                                        </p:cTn>
+                                        <p:tgtEl>
+                                          <p:spTgt spid="16"/>
+                                        </p:tgtEl>
+                                      </p:cBhvr>
+                                    </p:animEffect>
+                                    <p:anim calcmode="lin" valueType="num">
+                                      <p:cBhvr>
+                                        <p:cTn id="53" dur="1822" tmFilter="0,0; 0.14,0.36; 0.43,0.73; 0.71,0.91; 1.0,1.0">
+                                          <p:stCondLst>
+                                            <p:cond delay="0"/>
+                                          </p:stCondLst>
+                                        </p:cTn>
+                                        <p:tgtEl>
+                                          <p:spTgt spid="16"/>
+                                        </p:tgtEl>
+                                        <p:attrNameLst>
+                                          <p:attrName>ppt_x</p:attrName>
+                                        </p:attrNameLst>
+                                      </p:cBhvr>
+                                      <p:tavLst>
+                                        <p:tav tm="0">
+                                          <p:val>
+                                            <p:strVal val="#ppt_x-0.25"/>
+                                          </p:val>
+                                        </p:tav>
+                                        <p:tav tm="100000">
+                                          <p:val>
+                                            <p:strVal val="#ppt_x"/>
+                                          </p:val>
+                                        </p:tav>
+                                      </p:tavLst>
+                                    </p:anim>
+                                    <p:anim calcmode="lin" valueType="num">
+                                      <p:cBhvr>
+                                        <p:cTn id="54" dur="664" tmFilter="0.0,0.0; 0.25,0.07; 0.50,0.2; 0.75,0.467; 1.0,1.0">
+                                          <p:stCondLst>
+                                            <p:cond delay="0"/>
+                                          </p:stCondLst>
+                                        </p:cTn>
+                                        <p:tgtEl>
+                                          <p:spTgt spid="16"/>
+                                        </p:tgtEl>
+                                        <p:attrNameLst>
+                                          <p:attrName>ppt_y</p:attrName>
+                                        </p:attrNameLst>
+                                      </p:cBhvr>
+                                      <p:tavLst>
+                                        <p:tav tm="0" fmla="#ppt_y-sin(pi*$)/3">
+                                          <p:val>
+                                            <p:fltVal val="0.5"/>
+                                          </p:val>
+                                        </p:tav>
+                                        <p:tav tm="100000">
+                                          <p:val>
+                                            <p:fltVal val="1"/>
+                                          </p:val>
+                                        </p:tav>
+                                      </p:tavLst>
+                                    </p:anim>
+                                    <p:anim calcmode="lin" valueType="num">
+                                      <p:cBhvr>
+                                        <p:cTn id="55" dur="664" tmFilter="0, 0; 0.125,0.2665; 0.25,0.4; 0.375,0.465; 0.5,0.5;  0.625,0.535; 0.75,0.6; 0.875,0.7335; 1,1">
+                                          <p:stCondLst>
+                                            <p:cond delay="664"/>
+                                          </p:stCondLst>
+                                        </p:cTn>
+                                        <p:tgtEl>
+                                          <p:spTgt spid="16"/>
+                                        </p:tgtEl>
+                                        <p:attrNameLst>
+                                          <p:attrName>ppt_y</p:attrName>
+                                        </p:attrNameLst>
+                                      </p:cBhvr>
+                                      <p:tavLst>
+                                        <p:tav tm="0" fmla="#ppt_y-sin(pi*$)/9">
+                                          <p:val>
+                                            <p:fltVal val="0"/>
+                                          </p:val>
+                                        </p:tav>
+                                        <p:tav tm="100000">
+                                          <p:val>
+                                            <p:fltVal val="1"/>
+                                          </p:val>
+                                        </p:tav>
+                                      </p:tavLst>
+                                    </p:anim>
+                                    <p:anim calcmode="lin" valueType="num">
+                                      <p:cBhvr>
+                                        <p:cTn id="56" dur="332" tmFilter="0, 0; 0.125,0.2665; 0.25,0.4; 0.375,0.465; 0.5,0.5;  0.625,0.535; 0.75,0.6; 0.875,0.7335; 1,1">
+                                          <p:stCondLst>
+                                            <p:cond delay="1324"/>
+                                          </p:stCondLst>
+                                        </p:cTn>
+                                        <p:tgtEl>
+                                          <p:spTgt spid="16"/>
+                                        </p:tgtEl>
+                                        <p:attrNameLst>
+                                          <p:attrName>ppt_y</p:attrName>
+                                        </p:attrNameLst>
+                                      </p:cBhvr>
+                                      <p:tavLst>
+                                        <p:tav tm="0" fmla="#ppt_y-sin(pi*$)/27">
+                                          <p:val>
+                                            <p:fltVal val="0"/>
+                                          </p:val>
+                                        </p:tav>
+                                        <p:tav tm="100000">
+                                          <p:val>
+                                            <p:fltVal val="1"/>
+                                          </p:val>
+                                        </p:tav>
+                                      </p:tavLst>
+                                    </p:anim>
+                                    <p:anim calcmode="lin" valueType="num">
+                                      <p:cBhvr>
+                                        <p:cTn id="57" dur="164" tmFilter="0, 0; 0.125,0.2665; 0.25,0.4; 0.375,0.465; 0.5,0.5;  0.625,0.535; 0.75,0.6; 0.875,0.7335; 1,1">
+                                          <p:stCondLst>
+                                            <p:cond delay="1656"/>
+                                          </p:stCondLst>
+                                        </p:cTn>
+                                        <p:tgtEl>
+                                          <p:spTgt spid="16"/>
+                                        </p:tgtEl>
+                                        <p:attrNameLst>
+                                          <p:attrName>ppt_y</p:attrName>
+                                        </p:attrNameLst>
+                                      </p:cBhvr>
+                                      <p:tavLst>
+                                        <p:tav tm="0" fmla="#ppt_y-sin(pi*$)/81">
+                                          <p:val>
+                                            <p:fltVal val="0"/>
+                                          </p:val>
+                                        </p:tav>
+                                        <p:tav tm="100000">
+                                          <p:val>
+                                            <p:fltVal val="1"/>
+                                          </p:val>
+                                        </p:tav>
+                                      </p:tavLst>
+                                    </p:anim>
+                                    <p:animScale>
+                                      <p:cBhvr>
+                                        <p:cTn id="58" dur="26">
+                                          <p:stCondLst>
+                                            <p:cond delay="650"/>
+                                          </p:stCondLst>
+                                        </p:cTn>
+                                        <p:tgtEl>
+                                          <p:spTgt spid="16"/>
+                                        </p:tgtEl>
+                                      </p:cBhvr>
+                                      <p:to x="100000" y="60000"/>
+                                    </p:animScale>
+                                    <p:animScale>
+                                      <p:cBhvr>
+                                        <p:cTn id="59" dur="166" decel="50000">
+                                          <p:stCondLst>
+                                            <p:cond delay="676"/>
+                                          </p:stCondLst>
+                                        </p:cTn>
+                                        <p:tgtEl>
+                                          <p:spTgt spid="16"/>
+                                        </p:tgtEl>
+                                      </p:cBhvr>
+                                      <p:to x="100000" y="100000"/>
+                                    </p:animScale>
+                                    <p:animScale>
+                                      <p:cBhvr>
+                                        <p:cTn id="60" dur="26">
+                                          <p:stCondLst>
+                                            <p:cond delay="1312"/>
+                                          </p:stCondLst>
+                                        </p:cTn>
+                                        <p:tgtEl>
+                                          <p:spTgt spid="16"/>
+                                        </p:tgtEl>
+                                      </p:cBhvr>
+                                      <p:to x="100000" y="80000"/>
+                                    </p:animScale>
+                                    <p:animScale>
+                                      <p:cBhvr>
+                                        <p:cTn id="61" dur="166" decel="50000">
+                                          <p:stCondLst>
+                                            <p:cond delay="1338"/>
+                                          </p:stCondLst>
+                                        </p:cTn>
+                                        <p:tgtEl>
+                                          <p:spTgt spid="16"/>
+                                        </p:tgtEl>
+                                      </p:cBhvr>
+                                      <p:to x="100000" y="100000"/>
+                                    </p:animScale>
+                                    <p:animScale>
+                                      <p:cBhvr>
+                                        <p:cTn id="62" dur="26">
+                                          <p:stCondLst>
+                                            <p:cond delay="1642"/>
+                                          </p:stCondLst>
+                                        </p:cTn>
+                                        <p:tgtEl>
+                                          <p:spTgt spid="16"/>
+                                        </p:tgtEl>
+                                      </p:cBhvr>
+                                      <p:to x="100000" y="90000"/>
+                                    </p:animScale>
+                                    <p:animScale>
+                                      <p:cBhvr>
+                                        <p:cTn id="63" dur="166" decel="50000">
+                                          <p:stCondLst>
+                                            <p:cond delay="1668"/>
+                                          </p:stCondLst>
+                                        </p:cTn>
+                                        <p:tgtEl>
+                                          <p:spTgt spid="16"/>
+                                        </p:tgtEl>
+                                      </p:cBhvr>
+                                      <p:to x="100000" y="100000"/>
+                                    </p:animScale>
+                                    <p:animScale>
+                                      <p:cBhvr>
+                                        <p:cTn id="64" dur="26">
+                                          <p:stCondLst>
+                                            <p:cond delay="1808"/>
+                                          </p:stCondLst>
+                                        </p:cTn>
+                                        <p:tgtEl>
+                                          <p:spTgt spid="16"/>
+                                        </p:tgtEl>
+                                      </p:cBhvr>
+                                      <p:to x="100000" y="95000"/>
+                                    </p:animScale>
+                                    <p:animScale>
+                                      <p:cBhvr>
+                                        <p:cTn id="65" dur="166" decel="50000">
+                                          <p:stCondLst>
+                                            <p:cond delay="1834"/>
+                                          </p:stCondLst>
+                                        </p:cTn>
+                                        <p:tgtEl>
+                                          <p:spTgt spid="16"/>
+                                        </p:tgtEl>
+                                      </p:cBhvr>
+                                      <p:to x="100000" y="100000"/>
+                                    </p:animScale>
+                                  </p:childTnLst>
+                                </p:cTn>
+                              </p:par>
+                            </p:childTnLst>
+                          </p:cTn>
+                        </p:par>
+                      </p:childTnLst>
+                    </p:cTn>
+                  </p:par>
+                </p:childTnLst>
+              </p:cTn>
+              <p:prevCondLst>
+                <p:cond evt="onPrev" delay="0">
+                  <p:tgtEl>
+                    <p:sldTgt/>
+                  </p:tgtEl>
+                </p:cond>
+              </p:prevCondLst>
+              <p:nextCondLst>
+                <p:cond evt="onNext" delay="0">
+                  <p:tgtEl>
+                    <p:sldTgt/>
+                  </p:tgtEl>
+                </p:cond>
+              </p:nextCondLst>
+            </p:seq>
+          </p:childTnLst>
+        </p:cTn>
+      </p:par>
+    </p:tnLst>
+  </p:timing>
+</p:sld>
+</file>
+
+<file path=ppt/slides/slide12.xml><?xml version="1.0" encoding="utf-8"?>
+<p:sld xmlns:a="http://schemas.openxmlformats.org/drawingml/2006/main" xmlns:r="http://schemas.openxmlformats.org/officeDocument/2006/relationships" xmlns:p="http://schemas.openxmlformats.org/presentationml/2006/main">
+  <p:cSld>
+    <p:spTree>
+      <p:nvGrpSpPr>
+        <p:cNvPr id="1" name=""/>
+        <p:cNvGrpSpPr/>
+        <p:nvPr/>
+      </p:nvGrpSpPr>
+      <p:grpSpPr>
+        <a:xfrm>
+          <a:off x="0" y="0"/>
+          <a:ext cx="0" cy="0"/>
+          <a:chOff x="0" y="0"/>
+          <a:chExt cx="0" cy="0"/>
+        </a:xfrm>
+      </p:grpSpPr>
+      <p:sp>
+        <p:nvSpPr>
+          <p:cNvPr id="2" name="Title 1">
+            <a:extLst>
+              <a:ext uri="{FF2B5EF4-FFF2-40B4-BE49-F238E27FC236}">
+                <a16:creationId xmlns:a16="http://schemas.microsoft.com/office/drawing/2014/main" id="{68B8412E-C858-4BE8-906B-39EEED726929}"/>
+              </a:ext>
+            </a:extLst>
+          </p:cNvPr>
+          <p:cNvSpPr>
+            <a:spLocks noGrp="1"/>
+          </p:cNvSpPr>
+          <p:nvPr>
+            <p:ph type="title"/>
+          </p:nvPr>
+        </p:nvSpPr>
+        <p:spPr/>
+        <p:txBody>
+          <a:bodyPr/>
+          <a:lstStyle/>
+          <a:p>
+            <a:pPr algn="r"/>
+            <a:r>
+              <a:rPr lang="he-IL" dirty="0"/>
               <a:t>2. הכללת המודל – מודל </a:t>
             </a:r>
             <a:r>
@@ -11619,7 +13706,7 @@
 </p:sld>
 </file>
 
-<file path=ppt/slides/slide11.xml><?xml version="1.0" encoding="utf-8"?>
+<file path=ppt/slides/slide13.xml><?xml version="1.0" encoding="utf-8"?>
 <p:sld xmlns:a="http://schemas.openxmlformats.org/drawingml/2006/main" xmlns:r="http://schemas.openxmlformats.org/officeDocument/2006/relationships" xmlns:p="http://schemas.openxmlformats.org/presentationml/2006/main">
   <p:cSld>
     <p:spTree>
@@ -11701,42 +13788,6 @@
           </a:prstGeom>
         </p:spPr>
       </p:pic>
-      <p:pic>
-        <p:nvPicPr>
-          <p:cNvPr id="9" name="Picture 8" descr="A screenshot of a cell phone&#10;&#10;Description automatically generated">
-            <a:extLst>
-              <a:ext uri="{FF2B5EF4-FFF2-40B4-BE49-F238E27FC236}">
-                <a16:creationId xmlns:a16="http://schemas.microsoft.com/office/drawing/2014/main" id="{B448AE0D-5F4D-45B2-8BA6-63956B463328}"/>
-              </a:ext>
-            </a:extLst>
-          </p:cNvPr>
-          <p:cNvPicPr>
-            <a:picLocks noChangeAspect="1"/>
-          </p:cNvPicPr>
-          <p:nvPr/>
-        </p:nvPicPr>
-        <p:blipFill>
-          <a:blip r:embed="rId3">
-            <a:extLst>
-              <a:ext uri="{28A0092B-C50C-407E-A947-70E740481C1C}">
-                <a14:useLocalDpi xmlns:a14="http://schemas.microsoft.com/office/drawing/2010/main" val="0"/>
-              </a:ext>
-            </a:extLst>
-          </a:blip>
-          <a:stretch>
-            <a:fillRect/>
-          </a:stretch>
-        </p:blipFill>
-        <p:spPr>
-          <a:xfrm>
-            <a:off x="6235138" y="2118921"/>
-            <a:ext cx="5575863" cy="4309915"/>
-          </a:xfrm>
-          <a:prstGeom prst="rect">
-            <a:avLst/>
-          </a:prstGeom>
-        </p:spPr>
-      </p:pic>
       <p:cxnSp>
         <p:nvCxnSpPr>
           <p:cNvPr id="11" name="Straight Connector 10">
@@ -11781,6 +13832,53 @@
           </a:fontRef>
         </p:style>
       </p:cxnSp>
+      <p:pic>
+        <p:nvPicPr>
+          <p:cNvPr id="1028" name="Picture 4">
+            <a:extLst>
+              <a:ext uri="{FF2B5EF4-FFF2-40B4-BE49-F238E27FC236}">
+                <a16:creationId xmlns:a16="http://schemas.microsoft.com/office/drawing/2014/main" id="{3CAA1607-E581-4259-8BF2-1FB17F2D7440}"/>
+              </a:ext>
+            </a:extLst>
+          </p:cNvPr>
+          <p:cNvPicPr>
+            <a:picLocks noChangeAspect="1" noChangeArrowheads="1"/>
+          </p:cNvPicPr>
+          <p:nvPr/>
+        </p:nvPicPr>
+        <p:blipFill>
+          <a:blip r:embed="rId3">
+            <a:extLst>
+              <a:ext uri="{28A0092B-C50C-407E-A947-70E740481C1C}">
+                <a14:useLocalDpi xmlns:a14="http://schemas.microsoft.com/office/drawing/2010/main" val="0"/>
+              </a:ext>
+            </a:extLst>
+          </a:blip>
+          <a:srcRect/>
+          <a:stretch>
+            <a:fillRect/>
+          </a:stretch>
+        </p:blipFill>
+        <p:spPr bwMode="auto">
+          <a:xfrm>
+            <a:off x="6311907" y="2173327"/>
+            <a:ext cx="5499094" cy="4250575"/>
+          </a:xfrm>
+          <a:prstGeom prst="rect">
+            <a:avLst/>
+          </a:prstGeom>
+          <a:noFill/>
+          <a:extLst>
+            <a:ext uri="{909E8E84-426E-40DD-AFC4-6F175D3DCCD1}">
+              <a14:hiddenFill xmlns:a14="http://schemas.microsoft.com/office/drawing/2010/main">
+                <a:solidFill>
+                  <a:srgbClr val="FFFFFF"/>
+                </a:solidFill>
+              </a14:hiddenFill>
+            </a:ext>
+          </a:extLst>
+        </p:spPr>
+      </p:pic>
     </p:spTree>
     <p:extLst>
       <p:ext uri="{BB962C8B-B14F-4D97-AF65-F5344CB8AC3E}">
@@ -11794,7 +13892,7 @@
 </p:sld>
 </file>
 
-<file path=ppt/slides/slide12.xml><?xml version="1.0" encoding="utf-8"?>
+<file path=ppt/slides/slide14.xml><?xml version="1.0" encoding="utf-8"?>
 <p:sld xmlns:a="http://schemas.openxmlformats.org/drawingml/2006/main" xmlns:r="http://schemas.openxmlformats.org/officeDocument/2006/relationships" xmlns:p="http://schemas.openxmlformats.org/presentationml/2006/main">
   <p:cSld>
     <p:spTree>
@@ -11969,7 +14067,7 @@
 </p:sld>
 </file>
 
-<file path=ppt/slides/slide13.xml><?xml version="1.0" encoding="utf-8"?>
+<file path=ppt/slides/slide15.xml><?xml version="1.0" encoding="utf-8"?>
 <p:sld xmlns:a="http://schemas.openxmlformats.org/drawingml/2006/main" xmlns:r="http://schemas.openxmlformats.org/officeDocument/2006/relationships" xmlns:p="http://schemas.openxmlformats.org/presentationml/2006/main">
   <p:cSld>
     <p:spTree>
@@ -12010,7 +14108,7 @@
             <a:pPr algn="r"/>
             <a:r>
               <a:rPr lang="he-IL" dirty="0"/>
-              <a:t>3. הכללת המודל – תופעה מעניינת</a:t>
+              <a:t>3. הכללת המודל – מבטים להמשך</a:t>
             </a:r>
           </a:p>
         </p:txBody>
@@ -12111,7 +14209,7 @@
 </p:sld>
 </file>
 
-<file path=ppt/slides/slide14.xml><?xml version="1.0" encoding="utf-8"?>
+<file path=ppt/slides/slide16.xml><?xml version="1.0" encoding="utf-8"?>
 <p:sld xmlns:a="http://schemas.openxmlformats.org/drawingml/2006/main" xmlns:r="http://schemas.openxmlformats.org/officeDocument/2006/relationships" xmlns:p="http://schemas.openxmlformats.org/presentationml/2006/main">
   <p:cSld>
     <p:spTree>
@@ -12662,7 +14760,7 @@
         </p:xfrm>
         <a:graphic>
           <a:graphicData uri="http://schemas.openxmlformats.org/drawingml/2006/diagram">
-            <dgm:relIds xmlns:dgm="http://schemas.openxmlformats.org/drawingml/2006/diagram" xmlns:r="http://schemas.openxmlformats.org/officeDocument/2006/relationships" r:dm="rId2" r:lo="rId3" r:qs="rId4" r:cs="rId5"/>
+            <dgm:relIds xmlns:dgm="http://schemas.openxmlformats.org/drawingml/2006/diagram" xmlns:r="http://schemas.openxmlformats.org/officeDocument/2006/relationships" r:dm="rId3" r:lo="rId4" r:qs="rId5" r:cs="rId6"/>
           </a:graphicData>
         </a:graphic>
       </p:graphicFrame>
@@ -13209,7 +15307,7 @@
           <p:nvPr/>
         </p:nvPicPr>
         <p:blipFill>
-          <a:blip r:embed="rId2"/>
+          <a:blip r:embed="rId3"/>
           <a:stretch>
             <a:fillRect/>
           </a:stretch>
@@ -13430,13 +15528,13 @@
           </p:nvPr>
         </p:nvPicPr>
         <p:blipFill rotWithShape="1">
-          <a:blip r:embed="rId2">
+          <a:blip r:embed="rId3">
             <a:extLst>
               <a:ext uri="{28A0092B-C50C-407E-A947-70E740481C1C}">
                 <a14:useLocalDpi xmlns:a14="http://schemas.microsoft.com/office/drawing/2010/main" val="0"/>
               </a:ext>
               <a:ext uri="{837473B0-CC2E-450A-ABE3-18F120FF3D39}">
-                <a1611:picAttrSrcUrl xmlns:a1611="http://schemas.microsoft.com/office/drawing/2016/11/main" r:id="rId3"/>
+                <a1611:picAttrSrcUrl xmlns:a1611="http://schemas.microsoft.com/office/drawing/2016/11/main" r:id="rId4"/>
               </a:ext>
             </a:extLst>
           </a:blip>
@@ -13485,13 +15583,13 @@
             <p:nvPr/>
           </p:nvPicPr>
           <p:blipFill rotWithShape="1">
-            <a:blip r:embed="rId4" cstate="print">
+            <a:blip r:embed="rId5" cstate="print">
               <a:extLst>
                 <a:ext uri="{28A0092B-C50C-407E-A947-70E740481C1C}">
                   <a14:useLocalDpi xmlns:a14="http://schemas.microsoft.com/office/drawing/2010/main" val="0"/>
                 </a:ext>
                 <a:ext uri="{837473B0-CC2E-450A-ABE3-18F120FF3D39}">
-                  <a1611:picAttrSrcUrl xmlns:a1611="http://schemas.microsoft.com/office/drawing/2016/11/main" r:id="rId5"/>
+                  <a1611:picAttrSrcUrl xmlns:a1611="http://schemas.microsoft.com/office/drawing/2016/11/main" r:id="rId6"/>
                 </a:ext>
               </a:extLst>
             </a:blip>
@@ -13644,13 +15742,13 @@
   <p:clrMapOvr>
     <a:masterClrMapping/>
   </p:clrMapOvr>
-  <mc:AlternateContent xmlns:mc="http://schemas.openxmlformats.org/markup-compatibility/2006">
-    <mc:Choice xmlns:p14="http://schemas.microsoft.com/office/powerpoint/2010/main" Requires="p14">
+  <mc:AlternateContent xmlns:mc="http://schemas.openxmlformats.org/markup-compatibility/2006" xmlns:p14="http://schemas.microsoft.com/office/powerpoint/2010/main">
+    <mc:Choice Requires="p14">
       <p:transition spd="med" p14:dur="700">
         <p:fade/>
       </p:transition>
     </mc:Choice>
-    <mc:Fallback>
+    <mc:Fallback xmlns="">
       <p:transition spd="med">
         <p:fade/>
       </p:transition>
@@ -13836,50 +15934,21 @@
           <a:bodyPr/>
           <a:lstStyle/>
           <a:p>
-            <a:pPr algn="r"/>
+            <a:pPr algn="ctr"/>
             <a:r>
-              <a:rPr lang="he-IL" dirty="0"/>
-              <a:t>2. בעיות במודל – בדיקת המודל</a:t>
+              <a:rPr lang="en-US" dirty="0"/>
+              <a:t>Implied Volatility</a:t>
             </a:r>
+            <a:endParaRPr lang="he-IL" dirty="0"/>
           </a:p>
         </p:txBody>
       </p:sp>
-      <p:pic>
-        <p:nvPicPr>
-          <p:cNvPr id="5" name="Picture 4">
+      <p:sp>
+        <p:nvSpPr>
+          <p:cNvPr id="4" name="Content Placeholder 3">
             <a:extLst>
               <a:ext uri="{FF2B5EF4-FFF2-40B4-BE49-F238E27FC236}">
-                <a16:creationId xmlns:a16="http://schemas.microsoft.com/office/drawing/2014/main" id="{F29E7B82-5E9F-4A4C-9653-2642E5F491BE}"/>
-              </a:ext>
-            </a:extLst>
-          </p:cNvPr>
-          <p:cNvPicPr>
-            <a:picLocks noChangeAspect="1"/>
-          </p:cNvPicPr>
-          <p:nvPr/>
-        </p:nvPicPr>
-        <p:blipFill>
-          <a:blip r:embed="rId2"/>
-          <a:stretch>
-            <a:fillRect/>
-          </a:stretch>
-        </p:blipFill>
-        <p:spPr>
-          <a:xfrm>
-            <a:off x="5287616" y="1835149"/>
-            <a:ext cx="5920409" cy="4352699"/>
-          </a:xfrm>
-          <a:prstGeom prst="rect">
-            <a:avLst/>
-          </a:prstGeom>
-        </p:spPr>
-      </p:pic>
-      <p:sp>
-        <p:nvSpPr>
-          <p:cNvPr id="8" name="Content Placeholder 2">
-            <a:extLst>
-              <a:ext uri="{FF2B5EF4-FFF2-40B4-BE49-F238E27FC236}">
-                <a16:creationId xmlns:a16="http://schemas.microsoft.com/office/drawing/2014/main" id="{F607507F-3938-4272-BCC5-6DAB3DECDBBD}"/>
+                <a16:creationId xmlns:a16="http://schemas.microsoft.com/office/drawing/2014/main" id="{88D77CDB-606C-4E08-8835-2CED081A5AA9}"/>
               </a:ext>
             </a:extLst>
           </p:cNvPr>
@@ -13892,64 +15961,164 @@
         </p:nvSpPr>
         <p:spPr>
           <a:xfrm>
-            <a:off x="838200" y="1825625"/>
-            <a:ext cx="3704303" cy="4351338"/>
+            <a:off x="1298862" y="2438399"/>
+            <a:ext cx="9594273" cy="3073545"/>
           </a:xfrm>
         </p:spPr>
         <p:txBody>
-          <a:bodyPr/>
+          <a:bodyPr>
+            <a:normAutofit/>
+          </a:bodyPr>
           <a:lstStyle/>
           <a:p>
-            <a:pPr>
+            <a:pPr marL="0" indent="0">
               <a:lnSpc>
                 <a:spcPct val="150000"/>
               </a:lnSpc>
+              <a:buNone/>
             </a:pPr>
             <a:r>
-              <a:rPr lang="he-IL" dirty="0"/>
-              <a:t>לקחתי </a:t>
+              <a:rPr lang="he-IL" sz="3600" b="1" dirty="0"/>
+              <a:t>הגדרה</a:t>
             </a:r>
             <a:r>
-              <a:rPr lang="he-IL" b="1" dirty="0"/>
-              <a:t>מחירי אופציות </a:t>
+              <a:rPr lang="he-IL" sz="3600" dirty="0"/>
+              <a:t>: </a:t>
             </a:r>
             <a:r>
-              <a:rPr lang="he-IL" dirty="0"/>
-              <a:t>של מדד </a:t>
+              <a:rPr lang="en-US" sz="3600" i="1" dirty="0"/>
+              <a:t>Implied Volatility</a:t>
             </a:r>
             <a:r>
-              <a:rPr lang="en-US" dirty="0"/>
-              <a:t>NIFTY 50</a:t>
+              <a:rPr lang="he-IL" sz="3600" dirty="0"/>
+              <a:t> - בהינתן אופציה מסוימת</a:t>
             </a:r>
           </a:p>
           <a:p>
-            <a:pPr>
+            <a:pPr marL="0" indent="0" algn="ctr">
               <a:lnSpc>
                 <a:spcPct val="150000"/>
               </a:lnSpc>
+              <a:buNone/>
             </a:pPr>
             <a:r>
-              <a:rPr lang="he-IL" dirty="0"/>
-              <a:t> הסקתי מתוך כל אחד מהם מהי התנודתיות של המדד – </a:t>
+              <a:rPr lang="en-US" sz="3600" dirty="0"/>
+              <a:t>(C, K, T, r, S0)</a:t>
             </a:r>
             <a:r>
-              <a:rPr lang="en-US" dirty="0"/>
-              <a:t>Implied Volatility</a:t>
+              <a:rPr lang="he-IL" sz="3600" dirty="0"/>
+              <a:t>, מהי התנודתיות </a:t>
             </a:r>
-            <a:endParaRPr lang="he-IL" dirty="0"/>
+            <a:r>
+              <a:rPr lang="el-GR" sz="3600" b="1" dirty="0">
+                <a:latin typeface="Arial" panose="020B0604020202020204" pitchFamily="34" charset="0"/>
+                <a:cs typeface="Arial" panose="020B0604020202020204" pitchFamily="34" charset="0"/>
+              </a:rPr>
+              <a:t>σ</a:t>
+            </a:r>
+            <a:r>
+              <a:rPr lang="he-IL" sz="3600" dirty="0"/>
+              <a:t> של המניה שעליה היא מבוססת?</a:t>
+            </a:r>
           </a:p>
         </p:txBody>
       </p:sp>
+      <p:cxnSp>
+        <p:nvCxnSpPr>
+          <p:cNvPr id="6" name="Straight Connector 5">
+            <a:extLst>
+              <a:ext uri="{FF2B5EF4-FFF2-40B4-BE49-F238E27FC236}">
+                <a16:creationId xmlns:a16="http://schemas.microsoft.com/office/drawing/2014/main" id="{8D259692-2B67-455A-B8AB-979C63FCC253}"/>
+              </a:ext>
+            </a:extLst>
+          </p:cNvPr>
+          <p:cNvCxnSpPr/>
+          <p:nvPr/>
+        </p:nvCxnSpPr>
+        <p:spPr>
+          <a:xfrm>
+            <a:off x="-1" y="1967344"/>
+            <a:ext cx="12192000" cy="0"/>
+          </a:xfrm>
+          <a:prstGeom prst="line">
+            <a:avLst/>
+          </a:prstGeom>
+          <a:ln w="76200"/>
+        </p:spPr>
+        <p:style>
+          <a:lnRef idx="1">
+            <a:schemeClr val="accent1"/>
+          </a:lnRef>
+          <a:fillRef idx="0">
+            <a:schemeClr val="accent1"/>
+          </a:fillRef>
+          <a:effectRef idx="0">
+            <a:schemeClr val="accent1"/>
+          </a:effectRef>
+          <a:fontRef idx="minor">
+            <a:schemeClr val="tx1"/>
+          </a:fontRef>
+        </p:style>
+      </p:cxnSp>
+      <p:cxnSp>
+        <p:nvCxnSpPr>
+          <p:cNvPr id="13" name="Straight Connector 12">
+            <a:extLst>
+              <a:ext uri="{FF2B5EF4-FFF2-40B4-BE49-F238E27FC236}">
+                <a16:creationId xmlns:a16="http://schemas.microsoft.com/office/drawing/2014/main" id="{86E48748-E28C-4AD8-BAE6-911D8DD0CD86}"/>
+              </a:ext>
+            </a:extLst>
+          </p:cNvPr>
+          <p:cNvCxnSpPr/>
+          <p:nvPr/>
+        </p:nvCxnSpPr>
+        <p:spPr>
+          <a:xfrm>
+            <a:off x="-1" y="5652653"/>
+            <a:ext cx="12192000" cy="0"/>
+          </a:xfrm>
+          <a:prstGeom prst="line">
+            <a:avLst/>
+          </a:prstGeom>
+          <a:ln w="76200"/>
+        </p:spPr>
+        <p:style>
+          <a:lnRef idx="1">
+            <a:schemeClr val="accent1"/>
+          </a:lnRef>
+          <a:fillRef idx="0">
+            <a:schemeClr val="accent1"/>
+          </a:fillRef>
+          <a:effectRef idx="0">
+            <a:schemeClr val="accent1"/>
+          </a:effectRef>
+          <a:fontRef idx="minor">
+            <a:schemeClr val="tx1"/>
+          </a:fontRef>
+        </p:style>
+      </p:cxnSp>
     </p:spTree>
     <p:extLst>
       <p:ext uri="{BB962C8B-B14F-4D97-AF65-F5344CB8AC3E}">
-        <p14:creationId xmlns:p14="http://schemas.microsoft.com/office/powerpoint/2010/main" val="1017126497"/>
+        <p14:creationId xmlns:p14="http://schemas.microsoft.com/office/powerpoint/2010/main" val="2451195932"/>
       </p:ext>
     </p:extLst>
   </p:cSld>
   <p:clrMapOvr>
     <a:masterClrMapping/>
   </p:clrMapOvr>
+  <mc:AlternateContent xmlns:mc="http://schemas.openxmlformats.org/markup-compatibility/2006" xmlns:p14="http://schemas.microsoft.com/office/powerpoint/2010/main">
+    <mc:Choice Requires="p14">
+      <p:transition spd="med" p14:dur="700">
+        <p:fade/>
+      </p:transition>
+    </mc:Choice>
+    <mc:Fallback xmlns="">
+      <p:transition spd="med">
+        <p:fade/>
+      </p:transition>
+    </mc:Fallback>
+  </mc:AlternateContent>
 </p:sld>
 </file>
 
@@ -16108,6 +18277,274 @@
             </a:r>
             <a:r>
               <a:rPr lang="en-US" dirty="0"/>
+              <a:t>Newton Method</a:t>
+            </a:r>
+            <a:endParaRPr lang="he-IL" dirty="0"/>
+          </a:p>
+        </p:txBody>
+      </p:sp>
+      <p:pic>
+        <p:nvPicPr>
+          <p:cNvPr id="2050" name="Picture 2">
+            <a:extLst>
+              <a:ext uri="{FF2B5EF4-FFF2-40B4-BE49-F238E27FC236}">
+                <a16:creationId xmlns:a16="http://schemas.microsoft.com/office/drawing/2014/main" id="{42566EF1-F8B9-458D-A5D2-6CC405E48762}"/>
+              </a:ext>
+            </a:extLst>
+          </p:cNvPr>
+          <p:cNvPicPr>
+            <a:picLocks noGrp="1" noChangeAspect="1" noChangeArrowheads="1"/>
+          </p:cNvPicPr>
+          <p:nvPr>
+            <p:ph idx="1"/>
+          </p:nvPr>
+        </p:nvPicPr>
+        <p:blipFill>
+          <a:blip r:embed="rId2">
+            <a:extLst>
+              <a:ext uri="{28A0092B-C50C-407E-A947-70E740481C1C}">
+                <a14:useLocalDpi xmlns:a14="http://schemas.microsoft.com/office/drawing/2010/main" val="0"/>
+              </a:ext>
+            </a:extLst>
+          </a:blip>
+          <a:srcRect/>
+          <a:stretch>
+            <a:fillRect/>
+          </a:stretch>
+        </p:blipFill>
+        <p:spPr bwMode="auto">
+          <a:xfrm>
+            <a:off x="2539990" y="1796134"/>
+            <a:ext cx="6697817" cy="4696741"/>
+          </a:xfrm>
+          <a:prstGeom prst="rect">
+            <a:avLst/>
+          </a:prstGeom>
+          <a:noFill/>
+          <a:extLst>
+            <a:ext uri="{909E8E84-426E-40DD-AFC4-6F175D3DCCD1}">
+              <a14:hiddenFill xmlns:a14="http://schemas.microsoft.com/office/drawing/2010/main">
+                <a:solidFill>
+                  <a:srgbClr val="FFFFFF"/>
+                </a:solidFill>
+              </a14:hiddenFill>
+            </a:ext>
+          </a:extLst>
+        </p:spPr>
+      </p:pic>
+    </p:spTree>
+    <p:extLst>
+      <p:ext uri="{BB962C8B-B14F-4D97-AF65-F5344CB8AC3E}">
+        <p14:creationId xmlns:p14="http://schemas.microsoft.com/office/powerpoint/2010/main" val="3216011060"/>
+      </p:ext>
+    </p:extLst>
+  </p:cSld>
+  <p:clrMapOvr>
+    <a:masterClrMapping/>
+  </p:clrMapOvr>
+</p:sld>
+</file>
+
+<file path=ppt/slides/slide8.xml><?xml version="1.0" encoding="utf-8"?>
+<p:sld xmlns:a="http://schemas.openxmlformats.org/drawingml/2006/main" xmlns:r="http://schemas.openxmlformats.org/officeDocument/2006/relationships" xmlns:p="http://schemas.openxmlformats.org/presentationml/2006/main">
+  <p:cSld>
+    <p:spTree>
+      <p:nvGrpSpPr>
+        <p:cNvPr id="1" name=""/>
+        <p:cNvGrpSpPr/>
+        <p:nvPr/>
+      </p:nvGrpSpPr>
+      <p:grpSpPr>
+        <a:xfrm>
+          <a:off x="0" y="0"/>
+          <a:ext cx="0" cy="0"/>
+          <a:chOff x="0" y="0"/>
+          <a:chExt cx="0" cy="0"/>
+        </a:xfrm>
+      </p:grpSpPr>
+      <p:sp>
+        <p:nvSpPr>
+          <p:cNvPr id="2" name="Title 1">
+            <a:extLst>
+              <a:ext uri="{FF2B5EF4-FFF2-40B4-BE49-F238E27FC236}">
+                <a16:creationId xmlns:a16="http://schemas.microsoft.com/office/drawing/2014/main" id="{68B8412E-C858-4BE8-906B-39EEED726929}"/>
+              </a:ext>
+            </a:extLst>
+          </p:cNvPr>
+          <p:cNvSpPr>
+            <a:spLocks noGrp="1"/>
+          </p:cNvSpPr>
+          <p:nvPr>
+            <p:ph type="title"/>
+          </p:nvPr>
+        </p:nvSpPr>
+        <p:spPr/>
+        <p:txBody>
+          <a:bodyPr/>
+          <a:lstStyle/>
+          <a:p>
+            <a:pPr algn="r"/>
+            <a:r>
+              <a:rPr lang="he-IL" dirty="0"/>
+              <a:t>2. בעיות במודל – בדיקת המודל</a:t>
+            </a:r>
+          </a:p>
+        </p:txBody>
+      </p:sp>
+      <p:pic>
+        <p:nvPicPr>
+          <p:cNvPr id="5" name="Picture 4">
+            <a:extLst>
+              <a:ext uri="{FF2B5EF4-FFF2-40B4-BE49-F238E27FC236}">
+                <a16:creationId xmlns:a16="http://schemas.microsoft.com/office/drawing/2014/main" id="{F29E7B82-5E9F-4A4C-9653-2642E5F491BE}"/>
+              </a:ext>
+            </a:extLst>
+          </p:cNvPr>
+          <p:cNvPicPr>
+            <a:picLocks noChangeAspect="1"/>
+          </p:cNvPicPr>
+          <p:nvPr/>
+        </p:nvPicPr>
+        <p:blipFill>
+          <a:blip r:embed="rId2"/>
+          <a:stretch>
+            <a:fillRect/>
+          </a:stretch>
+        </p:blipFill>
+        <p:spPr>
+          <a:xfrm>
+            <a:off x="5287616" y="1835149"/>
+            <a:ext cx="5920409" cy="4352699"/>
+          </a:xfrm>
+          <a:prstGeom prst="rect">
+            <a:avLst/>
+          </a:prstGeom>
+        </p:spPr>
+      </p:pic>
+      <p:sp>
+        <p:nvSpPr>
+          <p:cNvPr id="8" name="Content Placeholder 2">
+            <a:extLst>
+              <a:ext uri="{FF2B5EF4-FFF2-40B4-BE49-F238E27FC236}">
+                <a16:creationId xmlns:a16="http://schemas.microsoft.com/office/drawing/2014/main" id="{F607507F-3938-4272-BCC5-6DAB3DECDBBD}"/>
+              </a:ext>
+            </a:extLst>
+          </p:cNvPr>
+          <p:cNvSpPr>
+            <a:spLocks noGrp="1"/>
+          </p:cNvSpPr>
+          <p:nvPr>
+            <p:ph idx="1"/>
+          </p:nvPr>
+        </p:nvSpPr>
+        <p:spPr>
+          <a:xfrm>
+            <a:off x="838200" y="1825625"/>
+            <a:ext cx="3704303" cy="4351338"/>
+          </a:xfrm>
+        </p:spPr>
+        <p:txBody>
+          <a:bodyPr/>
+          <a:lstStyle/>
+          <a:p>
+            <a:pPr>
+              <a:lnSpc>
+                <a:spcPct val="150000"/>
+              </a:lnSpc>
+            </a:pPr>
+            <a:r>
+              <a:rPr lang="he-IL" dirty="0"/>
+              <a:t>לקחתי </a:t>
+            </a:r>
+            <a:r>
+              <a:rPr lang="he-IL" b="1" dirty="0"/>
+              <a:t>מחירי אופציות </a:t>
+            </a:r>
+            <a:r>
+              <a:rPr lang="he-IL" dirty="0"/>
+              <a:t>של מדד </a:t>
+            </a:r>
+            <a:r>
+              <a:rPr lang="en-US" dirty="0"/>
+              <a:t>NIFTY 50</a:t>
+            </a:r>
+          </a:p>
+          <a:p>
+            <a:pPr>
+              <a:lnSpc>
+                <a:spcPct val="150000"/>
+              </a:lnSpc>
+            </a:pPr>
+            <a:r>
+              <a:rPr lang="he-IL" dirty="0"/>
+              <a:t> הסקתי מתוך כל אחד מהם מהי התנודתיות של המדד – </a:t>
+            </a:r>
+            <a:r>
+              <a:rPr lang="en-US" dirty="0"/>
+              <a:t>Implied Volatility</a:t>
+            </a:r>
+            <a:endParaRPr lang="he-IL" dirty="0"/>
+          </a:p>
+        </p:txBody>
+      </p:sp>
+    </p:spTree>
+    <p:extLst>
+      <p:ext uri="{BB962C8B-B14F-4D97-AF65-F5344CB8AC3E}">
+        <p14:creationId xmlns:p14="http://schemas.microsoft.com/office/powerpoint/2010/main" val="1017126497"/>
+      </p:ext>
+    </p:extLst>
+  </p:cSld>
+  <p:clrMapOvr>
+    <a:masterClrMapping/>
+  </p:clrMapOvr>
+</p:sld>
+</file>
+
+<file path=ppt/slides/slide9.xml><?xml version="1.0" encoding="utf-8"?>
+<p:sld xmlns:a="http://schemas.openxmlformats.org/drawingml/2006/main" xmlns:r="http://schemas.openxmlformats.org/officeDocument/2006/relationships" xmlns:p="http://schemas.openxmlformats.org/presentationml/2006/main">
+  <p:cSld>
+    <p:spTree>
+      <p:nvGrpSpPr>
+        <p:cNvPr id="1" name=""/>
+        <p:cNvGrpSpPr/>
+        <p:nvPr/>
+      </p:nvGrpSpPr>
+      <p:grpSpPr>
+        <a:xfrm>
+          <a:off x="0" y="0"/>
+          <a:ext cx="0" cy="0"/>
+          <a:chOff x="0" y="0"/>
+          <a:chExt cx="0" cy="0"/>
+        </a:xfrm>
+      </p:grpSpPr>
+      <p:sp>
+        <p:nvSpPr>
+          <p:cNvPr id="2" name="Title 1">
+            <a:extLst>
+              <a:ext uri="{FF2B5EF4-FFF2-40B4-BE49-F238E27FC236}">
+                <a16:creationId xmlns:a16="http://schemas.microsoft.com/office/drawing/2014/main" id="{68B8412E-C858-4BE8-906B-39EEED726929}"/>
+              </a:ext>
+            </a:extLst>
+          </p:cNvPr>
+          <p:cNvSpPr>
+            <a:spLocks noGrp="1"/>
+          </p:cNvSpPr>
+          <p:nvPr>
+            <p:ph type="title"/>
+          </p:nvPr>
+        </p:nvSpPr>
+        <p:spPr/>
+        <p:txBody>
+          <a:bodyPr/>
+          <a:lstStyle/>
+          <a:p>
+            <a:pPr algn="r"/>
+            <a:r>
+              <a:rPr lang="he-IL" dirty="0"/>
+              <a:t>2. בעיות במודל – </a:t>
+            </a:r>
+            <a:r>
+              <a:rPr lang="en-US" dirty="0"/>
               <a:t>Volatility Smile</a:t>
             </a:r>
             <a:endParaRPr lang="he-IL" dirty="0"/>
@@ -16159,1533 +18596,6 @@
   <p:clrMapOvr>
     <a:masterClrMapping/>
   </p:clrMapOvr>
-</p:sld>
-</file>
-
-<file path=ppt/slides/slide8.xml><?xml version="1.0" encoding="utf-8"?>
-<p:sld xmlns:a="http://schemas.openxmlformats.org/drawingml/2006/main" xmlns:r="http://schemas.openxmlformats.org/officeDocument/2006/relationships" xmlns:p="http://schemas.openxmlformats.org/presentationml/2006/main">
-  <p:cSld>
-    <p:spTree>
-      <p:nvGrpSpPr>
-        <p:cNvPr id="1" name=""/>
-        <p:cNvGrpSpPr/>
-        <p:nvPr/>
-      </p:nvGrpSpPr>
-      <p:grpSpPr>
-        <a:xfrm>
-          <a:off x="0" y="0"/>
-          <a:ext cx="0" cy="0"/>
-          <a:chOff x="0" y="0"/>
-          <a:chExt cx="0" cy="0"/>
-        </a:xfrm>
-      </p:grpSpPr>
-      <p:sp>
-        <p:nvSpPr>
-          <p:cNvPr id="2" name="Title 1">
-            <a:extLst>
-              <a:ext uri="{FF2B5EF4-FFF2-40B4-BE49-F238E27FC236}">
-                <a16:creationId xmlns:a16="http://schemas.microsoft.com/office/drawing/2014/main" id="{68B8412E-C858-4BE8-906B-39EEED726929}"/>
-              </a:ext>
-            </a:extLst>
-          </p:cNvPr>
-          <p:cNvSpPr>
-            <a:spLocks noGrp="1"/>
-          </p:cNvSpPr>
-          <p:nvPr>
-            <p:ph type="title"/>
-          </p:nvPr>
-        </p:nvSpPr>
-        <p:spPr/>
-        <p:txBody>
-          <a:bodyPr/>
-          <a:lstStyle/>
-          <a:p>
-            <a:pPr algn="r"/>
-            <a:r>
-              <a:rPr lang="he-IL" dirty="0"/>
-              <a:t>3. הכללת המודל</a:t>
-            </a:r>
-          </a:p>
-        </p:txBody>
-      </p:sp>
-      <p:graphicFrame>
-        <p:nvGraphicFramePr>
-          <p:cNvPr id="5" name="Content Placeholder 4">
-            <a:extLst>
-              <a:ext uri="{FF2B5EF4-FFF2-40B4-BE49-F238E27FC236}">
-                <a16:creationId xmlns:a16="http://schemas.microsoft.com/office/drawing/2014/main" id="{E5F1020D-AFA3-45CA-9374-EAD980F3E87F}"/>
-              </a:ext>
-            </a:extLst>
-          </p:cNvPr>
-          <p:cNvGraphicFramePr>
-            <a:graphicFrameLocks noGrp="1"/>
-          </p:cNvGraphicFramePr>
-          <p:nvPr>
-            <p:ph idx="1"/>
-            <p:extLst>
-              <p:ext uri="{D42A27DB-BD31-4B8C-83A1-F6EECF244321}">
-                <p14:modId xmlns:p14="http://schemas.microsoft.com/office/powerpoint/2010/main" val="702850624"/>
-              </p:ext>
-            </p:extLst>
-          </p:nvPr>
-        </p:nvGraphicFramePr>
-        <p:xfrm>
-          <a:off x="838200" y="1825625"/>
-          <a:ext cx="9835055" cy="4351338"/>
-        </p:xfrm>
-        <a:graphic>
-          <a:graphicData uri="http://schemas.openxmlformats.org/drawingml/2006/diagram">
-            <dgm:relIds xmlns:dgm="http://schemas.openxmlformats.org/drawingml/2006/diagram" xmlns:r="http://schemas.openxmlformats.org/officeDocument/2006/relationships" r:dm="rId2" r:lo="rId3" r:qs="rId4" r:cs="rId5"/>
-          </a:graphicData>
-        </a:graphic>
-      </p:graphicFrame>
-    </p:spTree>
-    <p:extLst>
-      <p:ext uri="{BB962C8B-B14F-4D97-AF65-F5344CB8AC3E}">
-        <p14:creationId xmlns:p14="http://schemas.microsoft.com/office/powerpoint/2010/main" val="4193656910"/>
-      </p:ext>
-    </p:extLst>
-  </p:cSld>
-  <p:clrMapOvr>
-    <a:masterClrMapping/>
-  </p:clrMapOvr>
-  <p:timing>
-    <p:tnLst>
-      <p:par>
-        <p:cTn id="1" dur="indefinite" restart="never" nodeType="tmRoot">
-          <p:childTnLst>
-            <p:seq concurrent="1" nextAc="seek">
-              <p:cTn id="2" dur="indefinite" nodeType="mainSeq">
-                <p:childTnLst>
-                  <p:par>
-                    <p:cTn id="3" fill="hold">
-                      <p:stCondLst>
-                        <p:cond delay="indefinite"/>
-                      </p:stCondLst>
-                      <p:childTnLst>
-                        <p:par>
-                          <p:cTn id="4" fill="hold">
-                            <p:stCondLst>
-                              <p:cond delay="0"/>
-                            </p:stCondLst>
-                            <p:childTnLst>
-                              <p:par>
-                                <p:cTn id="5" presetID="10" presetClass="entr" presetSubtype="0" fill="hold" grpId="0" nodeType="clickEffect">
-                                  <p:stCondLst>
-                                    <p:cond delay="0"/>
-                                  </p:stCondLst>
-                                  <p:childTnLst>
-                                    <p:set>
-                                      <p:cBhvr>
-                                        <p:cTn id="6" dur="1" fill="hold">
-                                          <p:stCondLst>
-                                            <p:cond delay="0"/>
-                                          </p:stCondLst>
-                                        </p:cTn>
-                                        <p:tgtEl>
-                                          <p:spTgt spid="5">
-                                            <p:graphicEl>
-                                              <a:dgm id="{FCF6E4A3-BFE0-4C89-84BE-FE5E3D3C64E1}"/>
-                                            </p:graphicEl>
-                                          </p:spTgt>
-                                        </p:tgtEl>
-                                        <p:attrNameLst>
-                                          <p:attrName>style.visibility</p:attrName>
-                                        </p:attrNameLst>
-                                      </p:cBhvr>
-                                      <p:to>
-                                        <p:strVal val="visible"/>
-                                      </p:to>
-                                    </p:set>
-                                    <p:animEffect transition="in" filter="fade">
-                                      <p:cBhvr>
-                                        <p:cTn id="7" dur="500"/>
-                                        <p:tgtEl>
-                                          <p:spTgt spid="5">
-                                            <p:graphicEl>
-                                              <a:dgm id="{FCF6E4A3-BFE0-4C89-84BE-FE5E3D3C64E1}"/>
-                                            </p:graphicEl>
-                                          </p:spTgt>
-                                        </p:tgtEl>
-                                      </p:cBhvr>
-                                    </p:animEffect>
-                                  </p:childTnLst>
-                                </p:cTn>
-                              </p:par>
-                            </p:childTnLst>
-                          </p:cTn>
-                        </p:par>
-                      </p:childTnLst>
-                    </p:cTn>
-                  </p:par>
-                  <p:par>
-                    <p:cTn id="8" fill="hold">
-                      <p:stCondLst>
-                        <p:cond delay="indefinite"/>
-                      </p:stCondLst>
-                      <p:childTnLst>
-                        <p:par>
-                          <p:cTn id="9" fill="hold">
-                            <p:stCondLst>
-                              <p:cond delay="0"/>
-                            </p:stCondLst>
-                            <p:childTnLst>
-                              <p:par>
-                                <p:cTn id="10" presetID="10" presetClass="entr" presetSubtype="0" fill="hold" grpId="0" nodeType="clickEffect">
-                                  <p:stCondLst>
-                                    <p:cond delay="0"/>
-                                  </p:stCondLst>
-                                  <p:childTnLst>
-                                    <p:set>
-                                      <p:cBhvr>
-                                        <p:cTn id="11" dur="1" fill="hold">
-                                          <p:stCondLst>
-                                            <p:cond delay="0"/>
-                                          </p:stCondLst>
-                                        </p:cTn>
-                                        <p:tgtEl>
-                                          <p:spTgt spid="5">
-                                            <p:graphicEl>
-                                              <a:dgm id="{8E078AC6-3435-4252-B1B0-2EEB0F14318C}"/>
-                                            </p:graphicEl>
-                                          </p:spTgt>
-                                        </p:tgtEl>
-                                        <p:attrNameLst>
-                                          <p:attrName>style.visibility</p:attrName>
-                                        </p:attrNameLst>
-                                      </p:cBhvr>
-                                      <p:to>
-                                        <p:strVal val="visible"/>
-                                      </p:to>
-                                    </p:set>
-                                    <p:animEffect transition="in" filter="fade">
-                                      <p:cBhvr>
-                                        <p:cTn id="12" dur="500"/>
-                                        <p:tgtEl>
-                                          <p:spTgt spid="5">
-                                            <p:graphicEl>
-                                              <a:dgm id="{8E078AC6-3435-4252-B1B0-2EEB0F14318C}"/>
-                                            </p:graphicEl>
-                                          </p:spTgt>
-                                        </p:tgtEl>
-                                      </p:cBhvr>
-                                    </p:animEffect>
-                                  </p:childTnLst>
-                                </p:cTn>
-                              </p:par>
-                            </p:childTnLst>
-                          </p:cTn>
-                        </p:par>
-                      </p:childTnLst>
-                    </p:cTn>
-                  </p:par>
-                </p:childTnLst>
-              </p:cTn>
-              <p:prevCondLst>
-                <p:cond evt="onPrev" delay="0">
-                  <p:tgtEl>
-                    <p:sldTgt/>
-                  </p:tgtEl>
-                </p:cond>
-              </p:prevCondLst>
-              <p:nextCondLst>
-                <p:cond evt="onNext" delay="0">
-                  <p:tgtEl>
-                    <p:sldTgt/>
-                  </p:tgtEl>
-                </p:cond>
-              </p:nextCondLst>
-            </p:seq>
-          </p:childTnLst>
-        </p:cTn>
-      </p:par>
-    </p:tnLst>
-    <p:bldLst>
-      <p:bldGraphic spid="5" grpId="0" uiExpand="1">
-        <p:bldSub>
-          <a:bldDgm bld="one"/>
-        </p:bldSub>
-      </p:bldGraphic>
-    </p:bldLst>
-  </p:timing>
-</p:sld>
-</file>
-
-<file path=ppt/slides/slide9.xml><?xml version="1.0" encoding="utf-8"?>
-<p:sld xmlns:a="http://schemas.openxmlformats.org/drawingml/2006/main" xmlns:r="http://schemas.openxmlformats.org/officeDocument/2006/relationships" xmlns:p="http://schemas.openxmlformats.org/presentationml/2006/main">
-  <p:cSld>
-    <p:spTree>
-      <p:nvGrpSpPr>
-        <p:cNvPr id="1" name=""/>
-        <p:cNvGrpSpPr/>
-        <p:nvPr/>
-      </p:nvGrpSpPr>
-      <p:grpSpPr>
-        <a:xfrm>
-          <a:off x="0" y="0"/>
-          <a:ext cx="0" cy="0"/>
-          <a:chOff x="0" y="0"/>
-          <a:chExt cx="0" cy="0"/>
-        </a:xfrm>
-      </p:grpSpPr>
-      <p:sp>
-        <p:nvSpPr>
-          <p:cNvPr id="2" name="Title 1">
-            <a:extLst>
-              <a:ext uri="{FF2B5EF4-FFF2-40B4-BE49-F238E27FC236}">
-                <a16:creationId xmlns:a16="http://schemas.microsoft.com/office/drawing/2014/main" id="{68B8412E-C858-4BE8-906B-39EEED726929}"/>
-              </a:ext>
-            </a:extLst>
-          </p:cNvPr>
-          <p:cNvSpPr>
-            <a:spLocks noGrp="1"/>
-          </p:cNvSpPr>
-          <p:nvPr>
-            <p:ph type="title"/>
-          </p:nvPr>
-        </p:nvSpPr>
-        <p:spPr/>
-        <p:txBody>
-          <a:bodyPr/>
-          <a:lstStyle/>
-          <a:p>
-            <a:pPr algn="r"/>
-            <a:r>
-              <a:rPr lang="he-IL" dirty="0"/>
-              <a:t>3. הכללת המודל – מידול התנודתיות</a:t>
-            </a:r>
-          </a:p>
-        </p:txBody>
-      </p:sp>
-      <p:pic>
-        <p:nvPicPr>
-          <p:cNvPr id="6" name="Content Placeholder 5" descr="A screenshot of a cell phone&#10;&#10;Description automatically generated">
-            <a:extLst>
-              <a:ext uri="{FF2B5EF4-FFF2-40B4-BE49-F238E27FC236}">
-                <a16:creationId xmlns:a16="http://schemas.microsoft.com/office/drawing/2014/main" id="{C6238EF1-E5A6-4B4D-A9A9-0CA2A8F69290}"/>
-              </a:ext>
-            </a:extLst>
-          </p:cNvPr>
-          <p:cNvPicPr>
-            <a:picLocks noGrp="1" noChangeAspect="1"/>
-          </p:cNvPicPr>
-          <p:nvPr>
-            <p:ph idx="1"/>
-          </p:nvPr>
-        </p:nvPicPr>
-        <p:blipFill>
-          <a:blip r:embed="rId2">
-            <a:extLst>
-              <a:ext uri="{28A0092B-C50C-407E-A947-70E740481C1C}">
-                <a14:useLocalDpi xmlns:a14="http://schemas.microsoft.com/office/drawing/2010/main" val="0"/>
-              </a:ext>
-            </a:extLst>
-          </a:blip>
-          <a:stretch>
-            <a:fillRect/>
-          </a:stretch>
-        </p:blipFill>
-        <p:spPr>
-          <a:xfrm>
-            <a:off x="2542478" y="1690688"/>
-            <a:ext cx="6782083" cy="5012124"/>
-          </a:xfrm>
-        </p:spPr>
-      </p:pic>
-      <p:pic>
-        <p:nvPicPr>
-          <p:cNvPr id="1028" name="Picture 4">
-            <a:extLst>
-              <a:ext uri="{FF2B5EF4-FFF2-40B4-BE49-F238E27FC236}">
-                <a16:creationId xmlns:a16="http://schemas.microsoft.com/office/drawing/2014/main" id="{04737F63-7086-4B02-8D98-560500041780}"/>
-              </a:ext>
-            </a:extLst>
-          </p:cNvPr>
-          <p:cNvPicPr>
-            <a:picLocks noChangeAspect="1" noChangeArrowheads="1"/>
-          </p:cNvPicPr>
-          <p:nvPr/>
-        </p:nvPicPr>
-        <p:blipFill>
-          <a:blip r:embed="rId3">
-            <a:extLst>
-              <a:ext uri="{28A0092B-C50C-407E-A947-70E740481C1C}">
-                <a14:useLocalDpi xmlns:a14="http://schemas.microsoft.com/office/drawing/2010/main" val="0"/>
-              </a:ext>
-            </a:extLst>
-          </a:blip>
-          <a:srcRect/>
-          <a:stretch>
-            <a:fillRect/>
-          </a:stretch>
-        </p:blipFill>
-        <p:spPr bwMode="auto">
-          <a:xfrm>
-            <a:off x="2459772" y="1690689"/>
-            <a:ext cx="6864789" cy="5012123"/>
-          </a:xfrm>
-          <a:prstGeom prst="rect">
-            <a:avLst/>
-          </a:prstGeom>
-          <a:noFill/>
-          <a:extLst>
-            <a:ext uri="{909E8E84-426E-40DD-AFC4-6F175D3DCCD1}">
-              <a14:hiddenFill xmlns:a14="http://schemas.microsoft.com/office/drawing/2010/main">
-                <a:solidFill>
-                  <a:srgbClr val="FFFFFF"/>
-                </a:solidFill>
-              </a14:hiddenFill>
-            </a:ext>
-          </a:extLst>
-        </p:spPr>
-      </p:pic>
-      <p:pic>
-        <p:nvPicPr>
-          <p:cNvPr id="12" name="Picture 11" descr="A close up of a device&#10;&#10;Description automatically generated">
-            <a:extLst>
-              <a:ext uri="{FF2B5EF4-FFF2-40B4-BE49-F238E27FC236}">
-                <a16:creationId xmlns:a16="http://schemas.microsoft.com/office/drawing/2014/main" id="{181E9111-2BBA-4DD6-BFB0-62D167B2F0B7}"/>
-              </a:ext>
-            </a:extLst>
-          </p:cNvPr>
-          <p:cNvPicPr>
-            <a:picLocks noChangeAspect="1"/>
-          </p:cNvPicPr>
-          <p:nvPr/>
-        </p:nvPicPr>
-        <p:blipFill rotWithShape="1">
-          <a:blip r:embed="rId4">
-            <a:extLst>
-              <a:ext uri="{28A0092B-C50C-407E-A947-70E740481C1C}">
-                <a14:useLocalDpi xmlns:a14="http://schemas.microsoft.com/office/drawing/2010/main" val="0"/>
-              </a:ext>
-              <a:ext uri="{837473B0-CC2E-450A-ABE3-18F120FF3D39}">
-                <a1611:picAttrSrcUrl xmlns:a1611="http://schemas.microsoft.com/office/drawing/2016/11/main" r:id="rId5"/>
-              </a:ext>
-            </a:extLst>
-          </a:blip>
-          <a:srcRect l="58064" t="10725" r="33940" b="50000"/>
-          <a:stretch/>
-        </p:blipFill>
-        <p:spPr>
-          <a:xfrm>
-            <a:off x="6960941" y="3314700"/>
-            <a:ext cx="324961" cy="762736"/>
-          </a:xfrm>
-          <a:prstGeom prst="rect">
-            <a:avLst/>
-          </a:prstGeom>
-        </p:spPr>
-      </p:pic>
-      <p:pic>
-        <p:nvPicPr>
-          <p:cNvPr id="15" name="Picture 14" descr="A close up of a device&#10;&#10;Description automatically generated">
-            <a:extLst>
-              <a:ext uri="{FF2B5EF4-FFF2-40B4-BE49-F238E27FC236}">
-                <a16:creationId xmlns:a16="http://schemas.microsoft.com/office/drawing/2014/main" id="{2B85DAD4-4C66-4280-ACE7-DA449B869803}"/>
-              </a:ext>
-            </a:extLst>
-          </p:cNvPr>
-          <p:cNvPicPr>
-            <a:picLocks noChangeAspect="1"/>
-          </p:cNvPicPr>
-          <p:nvPr/>
-        </p:nvPicPr>
-        <p:blipFill rotWithShape="1">
-          <a:blip r:embed="rId4">
-            <a:extLst>
-              <a:ext uri="{28A0092B-C50C-407E-A947-70E740481C1C}">
-                <a14:useLocalDpi xmlns:a14="http://schemas.microsoft.com/office/drawing/2010/main" val="0"/>
-              </a:ext>
-              <a:ext uri="{837473B0-CC2E-450A-ABE3-18F120FF3D39}">
-                <a1611:picAttrSrcUrl xmlns:a1611="http://schemas.microsoft.com/office/drawing/2016/11/main" r:id="rId5"/>
-              </a:ext>
-            </a:extLst>
-          </a:blip>
-          <a:srcRect l="58064" t="10725" r="33940" b="50000"/>
-          <a:stretch/>
-        </p:blipFill>
-        <p:spPr>
-          <a:xfrm>
-            <a:off x="5771041" y="4077436"/>
-            <a:ext cx="324960" cy="1296869"/>
-          </a:xfrm>
-          <a:prstGeom prst="rect">
-            <a:avLst/>
-          </a:prstGeom>
-        </p:spPr>
-      </p:pic>
-      <p:pic>
-        <p:nvPicPr>
-          <p:cNvPr id="16" name="Picture 15" descr="A close up of a device&#10;&#10;Description automatically generated">
-            <a:extLst>
-              <a:ext uri="{FF2B5EF4-FFF2-40B4-BE49-F238E27FC236}">
-                <a16:creationId xmlns:a16="http://schemas.microsoft.com/office/drawing/2014/main" id="{30FF479F-C3AF-4D2F-A72B-71D060DD9A40}"/>
-              </a:ext>
-            </a:extLst>
-          </p:cNvPr>
-          <p:cNvPicPr>
-            <a:picLocks noChangeAspect="1"/>
-          </p:cNvPicPr>
-          <p:nvPr/>
-        </p:nvPicPr>
-        <p:blipFill rotWithShape="1">
-          <a:blip r:embed="rId4">
-            <a:extLst>
-              <a:ext uri="{28A0092B-C50C-407E-A947-70E740481C1C}">
-                <a14:useLocalDpi xmlns:a14="http://schemas.microsoft.com/office/drawing/2010/main" val="0"/>
-              </a:ext>
-              <a:ext uri="{837473B0-CC2E-450A-ABE3-18F120FF3D39}">
-                <a1611:picAttrSrcUrl xmlns:a1611="http://schemas.microsoft.com/office/drawing/2016/11/main" r:id="rId5"/>
-              </a:ext>
-            </a:extLst>
-          </a:blip>
-          <a:srcRect l="58064" t="10725" r="33940" b="50000"/>
-          <a:stretch/>
-        </p:blipFill>
-        <p:spPr>
-          <a:xfrm flipH="1">
-            <a:off x="5094844" y="3469230"/>
-            <a:ext cx="152400" cy="608206"/>
-          </a:xfrm>
-          <a:prstGeom prst="rect">
-            <a:avLst/>
-          </a:prstGeom>
-        </p:spPr>
-      </p:pic>
-    </p:spTree>
-    <p:extLst>
-      <p:ext uri="{BB962C8B-B14F-4D97-AF65-F5344CB8AC3E}">
-        <p14:creationId xmlns:p14="http://schemas.microsoft.com/office/powerpoint/2010/main" val="1441488630"/>
-      </p:ext>
-    </p:extLst>
-  </p:cSld>
-  <p:clrMapOvr>
-    <a:masterClrMapping/>
-  </p:clrMapOvr>
-  <p:timing>
-    <p:tnLst>
-      <p:par>
-        <p:cTn id="1" dur="indefinite" restart="never" nodeType="tmRoot">
-          <p:childTnLst>
-            <p:seq concurrent="1" nextAc="seek">
-              <p:cTn id="2" dur="indefinite" nodeType="mainSeq">
-                <p:childTnLst>
-                  <p:par>
-                    <p:cTn id="3" fill="hold">
-                      <p:stCondLst>
-                        <p:cond delay="indefinite"/>
-                      </p:stCondLst>
-                      <p:childTnLst>
-                        <p:par>
-                          <p:cTn id="4" fill="hold">
-                            <p:stCondLst>
-                              <p:cond delay="0"/>
-                            </p:stCondLst>
-                            <p:childTnLst>
-                              <p:par>
-                                <p:cTn id="5" presetID="10" presetClass="entr" presetSubtype="0" fill="hold" nodeType="clickEffect">
-                                  <p:stCondLst>
-                                    <p:cond delay="0"/>
-                                  </p:stCondLst>
-                                  <p:childTnLst>
-                                    <p:set>
-                                      <p:cBhvr>
-                                        <p:cTn id="6" dur="1" fill="hold">
-                                          <p:stCondLst>
-                                            <p:cond delay="0"/>
-                                          </p:stCondLst>
-                                        </p:cTn>
-                                        <p:tgtEl>
-                                          <p:spTgt spid="1028"/>
-                                        </p:tgtEl>
-                                        <p:attrNameLst>
-                                          <p:attrName>style.visibility</p:attrName>
-                                        </p:attrNameLst>
-                                      </p:cBhvr>
-                                      <p:to>
-                                        <p:strVal val="visible"/>
-                                      </p:to>
-                                    </p:set>
-                                    <p:animEffect transition="in" filter="fade">
-                                      <p:cBhvr>
-                                        <p:cTn id="7" dur="500"/>
-                                        <p:tgtEl>
-                                          <p:spTgt spid="1028"/>
-                                        </p:tgtEl>
-                                      </p:cBhvr>
-                                    </p:animEffect>
-                                  </p:childTnLst>
-                                </p:cTn>
-                              </p:par>
-                            </p:childTnLst>
-                          </p:cTn>
-                        </p:par>
-                      </p:childTnLst>
-                    </p:cTn>
-                  </p:par>
-                  <p:par>
-                    <p:cTn id="8" fill="hold">
-                      <p:stCondLst>
-                        <p:cond delay="indefinite"/>
-                      </p:stCondLst>
-                      <p:childTnLst>
-                        <p:par>
-                          <p:cTn id="9" fill="hold">
-                            <p:stCondLst>
-                              <p:cond delay="0"/>
-                            </p:stCondLst>
-                            <p:childTnLst>
-                              <p:par>
-                                <p:cTn id="10" presetID="10" presetClass="entr" presetSubtype="0" fill="hold" nodeType="clickEffect">
-                                  <p:stCondLst>
-                                    <p:cond delay="0"/>
-                                  </p:stCondLst>
-                                  <p:childTnLst>
-                                    <p:set>
-                                      <p:cBhvr>
-                                        <p:cTn id="11" dur="1" fill="hold">
-                                          <p:stCondLst>
-                                            <p:cond delay="0"/>
-                                          </p:stCondLst>
-                                        </p:cTn>
-                                        <p:tgtEl>
-                                          <p:spTgt spid="6"/>
-                                        </p:tgtEl>
-                                        <p:attrNameLst>
-                                          <p:attrName>style.visibility</p:attrName>
-                                        </p:attrNameLst>
-                                      </p:cBhvr>
-                                      <p:to>
-                                        <p:strVal val="visible"/>
-                                      </p:to>
-                                    </p:set>
-                                    <p:animEffect transition="in" filter="fade">
-                                      <p:cBhvr>
-                                        <p:cTn id="12" dur="500"/>
-                                        <p:tgtEl>
-                                          <p:spTgt spid="6"/>
-                                        </p:tgtEl>
-                                      </p:cBhvr>
-                                    </p:animEffect>
-                                  </p:childTnLst>
-                                </p:cTn>
-                              </p:par>
-                              <p:par>
-                                <p:cTn id="13" presetID="10" presetClass="exit" presetSubtype="0" fill="hold" nodeType="withEffect">
-                                  <p:stCondLst>
-                                    <p:cond delay="0"/>
-                                  </p:stCondLst>
-                                  <p:childTnLst>
-                                    <p:animEffect transition="out" filter="fade">
-                                      <p:cBhvr>
-                                        <p:cTn id="14" dur="500"/>
-                                        <p:tgtEl>
-                                          <p:spTgt spid="1028"/>
-                                        </p:tgtEl>
-                                      </p:cBhvr>
-                                    </p:animEffect>
-                                    <p:set>
-                                      <p:cBhvr>
-                                        <p:cTn id="15" dur="1" fill="hold">
-                                          <p:stCondLst>
-                                            <p:cond delay="499"/>
-                                          </p:stCondLst>
-                                        </p:cTn>
-                                        <p:tgtEl>
-                                          <p:spTgt spid="1028"/>
-                                        </p:tgtEl>
-                                        <p:attrNameLst>
-                                          <p:attrName>style.visibility</p:attrName>
-                                        </p:attrNameLst>
-                                      </p:cBhvr>
-                                      <p:to>
-                                        <p:strVal val="hidden"/>
-                                      </p:to>
-                                    </p:set>
-                                  </p:childTnLst>
-                                </p:cTn>
-                              </p:par>
-                            </p:childTnLst>
-                          </p:cTn>
-                        </p:par>
-                      </p:childTnLst>
-                    </p:cTn>
-                  </p:par>
-                  <p:par>
-                    <p:cTn id="16" fill="hold">
-                      <p:stCondLst>
-                        <p:cond delay="indefinite"/>
-                      </p:stCondLst>
-                      <p:childTnLst>
-                        <p:par>
-                          <p:cTn id="17" fill="hold">
-                            <p:stCondLst>
-                              <p:cond delay="0"/>
-                            </p:stCondLst>
-                            <p:childTnLst>
-                              <p:par>
-                                <p:cTn id="18" presetID="26" presetClass="entr" presetSubtype="0" fill="hold" nodeType="clickEffect">
-                                  <p:stCondLst>
-                                    <p:cond delay="0"/>
-                                  </p:stCondLst>
-                                  <p:childTnLst>
-                                    <p:set>
-                                      <p:cBhvr>
-                                        <p:cTn id="19" dur="1" fill="hold">
-                                          <p:stCondLst>
-                                            <p:cond delay="0"/>
-                                          </p:stCondLst>
-                                        </p:cTn>
-                                        <p:tgtEl>
-                                          <p:spTgt spid="12"/>
-                                        </p:tgtEl>
-                                        <p:attrNameLst>
-                                          <p:attrName>style.visibility</p:attrName>
-                                        </p:attrNameLst>
-                                      </p:cBhvr>
-                                      <p:to>
-                                        <p:strVal val="visible"/>
-                                      </p:to>
-                                    </p:set>
-                                    <p:animEffect transition="in" filter="wipe(down)">
-                                      <p:cBhvr>
-                                        <p:cTn id="20" dur="580">
-                                          <p:stCondLst>
-                                            <p:cond delay="0"/>
-                                          </p:stCondLst>
-                                        </p:cTn>
-                                        <p:tgtEl>
-                                          <p:spTgt spid="12"/>
-                                        </p:tgtEl>
-                                      </p:cBhvr>
-                                    </p:animEffect>
-                                    <p:anim calcmode="lin" valueType="num">
-                                      <p:cBhvr>
-                                        <p:cTn id="21" dur="1822" tmFilter="0,0; 0.14,0.36; 0.43,0.73; 0.71,0.91; 1.0,1.0">
-                                          <p:stCondLst>
-                                            <p:cond delay="0"/>
-                                          </p:stCondLst>
-                                        </p:cTn>
-                                        <p:tgtEl>
-                                          <p:spTgt spid="12"/>
-                                        </p:tgtEl>
-                                        <p:attrNameLst>
-                                          <p:attrName>ppt_x</p:attrName>
-                                        </p:attrNameLst>
-                                      </p:cBhvr>
-                                      <p:tavLst>
-                                        <p:tav tm="0">
-                                          <p:val>
-                                            <p:strVal val="#ppt_x-0.25"/>
-                                          </p:val>
-                                        </p:tav>
-                                        <p:tav tm="100000">
-                                          <p:val>
-                                            <p:strVal val="#ppt_x"/>
-                                          </p:val>
-                                        </p:tav>
-                                      </p:tavLst>
-                                    </p:anim>
-                                    <p:anim calcmode="lin" valueType="num">
-                                      <p:cBhvr>
-                                        <p:cTn id="22" dur="664" tmFilter="0.0,0.0; 0.25,0.07; 0.50,0.2; 0.75,0.467; 1.0,1.0">
-                                          <p:stCondLst>
-                                            <p:cond delay="0"/>
-                                          </p:stCondLst>
-                                        </p:cTn>
-                                        <p:tgtEl>
-                                          <p:spTgt spid="12"/>
-                                        </p:tgtEl>
-                                        <p:attrNameLst>
-                                          <p:attrName>ppt_y</p:attrName>
-                                        </p:attrNameLst>
-                                      </p:cBhvr>
-                                      <p:tavLst>
-                                        <p:tav tm="0" fmla="#ppt_y-sin(pi*$)/3">
-                                          <p:val>
-                                            <p:fltVal val="0.5"/>
-                                          </p:val>
-                                        </p:tav>
-                                        <p:tav tm="100000">
-                                          <p:val>
-                                            <p:fltVal val="1"/>
-                                          </p:val>
-                                        </p:tav>
-                                      </p:tavLst>
-                                    </p:anim>
-                                    <p:anim calcmode="lin" valueType="num">
-                                      <p:cBhvr>
-                                        <p:cTn id="23" dur="664" tmFilter="0, 0; 0.125,0.2665; 0.25,0.4; 0.375,0.465; 0.5,0.5;  0.625,0.535; 0.75,0.6; 0.875,0.7335; 1,1">
-                                          <p:stCondLst>
-                                            <p:cond delay="664"/>
-                                          </p:stCondLst>
-                                        </p:cTn>
-                                        <p:tgtEl>
-                                          <p:spTgt spid="12"/>
-                                        </p:tgtEl>
-                                        <p:attrNameLst>
-                                          <p:attrName>ppt_y</p:attrName>
-                                        </p:attrNameLst>
-                                      </p:cBhvr>
-                                      <p:tavLst>
-                                        <p:tav tm="0" fmla="#ppt_y-sin(pi*$)/9">
-                                          <p:val>
-                                            <p:fltVal val="0"/>
-                                          </p:val>
-                                        </p:tav>
-                                        <p:tav tm="100000">
-                                          <p:val>
-                                            <p:fltVal val="1"/>
-                                          </p:val>
-                                        </p:tav>
-                                      </p:tavLst>
-                                    </p:anim>
-                                    <p:anim calcmode="lin" valueType="num">
-                                      <p:cBhvr>
-                                        <p:cTn id="24" dur="332" tmFilter="0, 0; 0.125,0.2665; 0.25,0.4; 0.375,0.465; 0.5,0.5;  0.625,0.535; 0.75,0.6; 0.875,0.7335; 1,1">
-                                          <p:stCondLst>
-                                            <p:cond delay="1324"/>
-                                          </p:stCondLst>
-                                        </p:cTn>
-                                        <p:tgtEl>
-                                          <p:spTgt spid="12"/>
-                                        </p:tgtEl>
-                                        <p:attrNameLst>
-                                          <p:attrName>ppt_y</p:attrName>
-                                        </p:attrNameLst>
-                                      </p:cBhvr>
-                                      <p:tavLst>
-                                        <p:tav tm="0" fmla="#ppt_y-sin(pi*$)/27">
-                                          <p:val>
-                                            <p:fltVal val="0"/>
-                                          </p:val>
-                                        </p:tav>
-                                        <p:tav tm="100000">
-                                          <p:val>
-                                            <p:fltVal val="1"/>
-                                          </p:val>
-                                        </p:tav>
-                                      </p:tavLst>
-                                    </p:anim>
-                                    <p:anim calcmode="lin" valueType="num">
-                                      <p:cBhvr>
-                                        <p:cTn id="25" dur="164" tmFilter="0, 0; 0.125,0.2665; 0.25,0.4; 0.375,0.465; 0.5,0.5;  0.625,0.535; 0.75,0.6; 0.875,0.7335; 1,1">
-                                          <p:stCondLst>
-                                            <p:cond delay="1656"/>
-                                          </p:stCondLst>
-                                        </p:cTn>
-                                        <p:tgtEl>
-                                          <p:spTgt spid="12"/>
-                                        </p:tgtEl>
-                                        <p:attrNameLst>
-                                          <p:attrName>ppt_y</p:attrName>
-                                        </p:attrNameLst>
-                                      </p:cBhvr>
-                                      <p:tavLst>
-                                        <p:tav tm="0" fmla="#ppt_y-sin(pi*$)/81">
-                                          <p:val>
-                                            <p:fltVal val="0"/>
-                                          </p:val>
-                                        </p:tav>
-                                        <p:tav tm="100000">
-                                          <p:val>
-                                            <p:fltVal val="1"/>
-                                          </p:val>
-                                        </p:tav>
-                                      </p:tavLst>
-                                    </p:anim>
-                                    <p:animScale>
-                                      <p:cBhvr>
-                                        <p:cTn id="26" dur="26">
-                                          <p:stCondLst>
-                                            <p:cond delay="650"/>
-                                          </p:stCondLst>
-                                        </p:cTn>
-                                        <p:tgtEl>
-                                          <p:spTgt spid="12"/>
-                                        </p:tgtEl>
-                                      </p:cBhvr>
-                                      <p:to x="100000" y="60000"/>
-                                    </p:animScale>
-                                    <p:animScale>
-                                      <p:cBhvr>
-                                        <p:cTn id="27" dur="166" decel="50000">
-                                          <p:stCondLst>
-                                            <p:cond delay="676"/>
-                                          </p:stCondLst>
-                                        </p:cTn>
-                                        <p:tgtEl>
-                                          <p:spTgt spid="12"/>
-                                        </p:tgtEl>
-                                      </p:cBhvr>
-                                      <p:to x="100000" y="100000"/>
-                                    </p:animScale>
-                                    <p:animScale>
-                                      <p:cBhvr>
-                                        <p:cTn id="28" dur="26">
-                                          <p:stCondLst>
-                                            <p:cond delay="1312"/>
-                                          </p:stCondLst>
-                                        </p:cTn>
-                                        <p:tgtEl>
-                                          <p:spTgt spid="12"/>
-                                        </p:tgtEl>
-                                      </p:cBhvr>
-                                      <p:to x="100000" y="80000"/>
-                                    </p:animScale>
-                                    <p:animScale>
-                                      <p:cBhvr>
-                                        <p:cTn id="29" dur="166" decel="50000">
-                                          <p:stCondLst>
-                                            <p:cond delay="1338"/>
-                                          </p:stCondLst>
-                                        </p:cTn>
-                                        <p:tgtEl>
-                                          <p:spTgt spid="12"/>
-                                        </p:tgtEl>
-                                      </p:cBhvr>
-                                      <p:to x="100000" y="100000"/>
-                                    </p:animScale>
-                                    <p:animScale>
-                                      <p:cBhvr>
-                                        <p:cTn id="30" dur="26">
-                                          <p:stCondLst>
-                                            <p:cond delay="1642"/>
-                                          </p:stCondLst>
-                                        </p:cTn>
-                                        <p:tgtEl>
-                                          <p:spTgt spid="12"/>
-                                        </p:tgtEl>
-                                      </p:cBhvr>
-                                      <p:to x="100000" y="90000"/>
-                                    </p:animScale>
-                                    <p:animScale>
-                                      <p:cBhvr>
-                                        <p:cTn id="31" dur="166" decel="50000">
-                                          <p:stCondLst>
-                                            <p:cond delay="1668"/>
-                                          </p:stCondLst>
-                                        </p:cTn>
-                                        <p:tgtEl>
-                                          <p:spTgt spid="12"/>
-                                        </p:tgtEl>
-                                      </p:cBhvr>
-                                      <p:to x="100000" y="100000"/>
-                                    </p:animScale>
-                                    <p:animScale>
-                                      <p:cBhvr>
-                                        <p:cTn id="32" dur="26">
-                                          <p:stCondLst>
-                                            <p:cond delay="1808"/>
-                                          </p:stCondLst>
-                                        </p:cTn>
-                                        <p:tgtEl>
-                                          <p:spTgt spid="12"/>
-                                        </p:tgtEl>
-                                      </p:cBhvr>
-                                      <p:to x="100000" y="95000"/>
-                                    </p:animScale>
-                                    <p:animScale>
-                                      <p:cBhvr>
-                                        <p:cTn id="33" dur="166" decel="50000">
-                                          <p:stCondLst>
-                                            <p:cond delay="1834"/>
-                                          </p:stCondLst>
-                                        </p:cTn>
-                                        <p:tgtEl>
-                                          <p:spTgt spid="12"/>
-                                        </p:tgtEl>
-                                      </p:cBhvr>
-                                      <p:to x="100000" y="100000"/>
-                                    </p:animScale>
-                                  </p:childTnLst>
-                                </p:cTn>
-                              </p:par>
-                              <p:par>
-                                <p:cTn id="34" presetID="26" presetClass="entr" presetSubtype="0" fill="hold" nodeType="withEffect">
-                                  <p:stCondLst>
-                                    <p:cond delay="0"/>
-                                  </p:stCondLst>
-                                  <p:childTnLst>
-                                    <p:set>
-                                      <p:cBhvr>
-                                        <p:cTn id="35" dur="1" fill="hold">
-                                          <p:stCondLst>
-                                            <p:cond delay="0"/>
-                                          </p:stCondLst>
-                                        </p:cTn>
-                                        <p:tgtEl>
-                                          <p:spTgt spid="15"/>
-                                        </p:tgtEl>
-                                        <p:attrNameLst>
-                                          <p:attrName>style.visibility</p:attrName>
-                                        </p:attrNameLst>
-                                      </p:cBhvr>
-                                      <p:to>
-                                        <p:strVal val="visible"/>
-                                      </p:to>
-                                    </p:set>
-                                    <p:animEffect transition="in" filter="wipe(down)">
-                                      <p:cBhvr>
-                                        <p:cTn id="36" dur="580">
-                                          <p:stCondLst>
-                                            <p:cond delay="0"/>
-                                          </p:stCondLst>
-                                        </p:cTn>
-                                        <p:tgtEl>
-                                          <p:spTgt spid="15"/>
-                                        </p:tgtEl>
-                                      </p:cBhvr>
-                                    </p:animEffect>
-                                    <p:anim calcmode="lin" valueType="num">
-                                      <p:cBhvr>
-                                        <p:cTn id="37" dur="1822" tmFilter="0,0; 0.14,0.36; 0.43,0.73; 0.71,0.91; 1.0,1.0">
-                                          <p:stCondLst>
-                                            <p:cond delay="0"/>
-                                          </p:stCondLst>
-                                        </p:cTn>
-                                        <p:tgtEl>
-                                          <p:spTgt spid="15"/>
-                                        </p:tgtEl>
-                                        <p:attrNameLst>
-                                          <p:attrName>ppt_x</p:attrName>
-                                        </p:attrNameLst>
-                                      </p:cBhvr>
-                                      <p:tavLst>
-                                        <p:tav tm="0">
-                                          <p:val>
-                                            <p:strVal val="#ppt_x-0.25"/>
-                                          </p:val>
-                                        </p:tav>
-                                        <p:tav tm="100000">
-                                          <p:val>
-                                            <p:strVal val="#ppt_x"/>
-                                          </p:val>
-                                        </p:tav>
-                                      </p:tavLst>
-                                    </p:anim>
-                                    <p:anim calcmode="lin" valueType="num">
-                                      <p:cBhvr>
-                                        <p:cTn id="38" dur="664" tmFilter="0.0,0.0; 0.25,0.07; 0.50,0.2; 0.75,0.467; 1.0,1.0">
-                                          <p:stCondLst>
-                                            <p:cond delay="0"/>
-                                          </p:stCondLst>
-                                        </p:cTn>
-                                        <p:tgtEl>
-                                          <p:spTgt spid="15"/>
-                                        </p:tgtEl>
-                                        <p:attrNameLst>
-                                          <p:attrName>ppt_y</p:attrName>
-                                        </p:attrNameLst>
-                                      </p:cBhvr>
-                                      <p:tavLst>
-                                        <p:tav tm="0" fmla="#ppt_y-sin(pi*$)/3">
-                                          <p:val>
-                                            <p:fltVal val="0.5"/>
-                                          </p:val>
-                                        </p:tav>
-                                        <p:tav tm="100000">
-                                          <p:val>
-                                            <p:fltVal val="1"/>
-                                          </p:val>
-                                        </p:tav>
-                                      </p:tavLst>
-                                    </p:anim>
-                                    <p:anim calcmode="lin" valueType="num">
-                                      <p:cBhvr>
-                                        <p:cTn id="39" dur="664" tmFilter="0, 0; 0.125,0.2665; 0.25,0.4; 0.375,0.465; 0.5,0.5;  0.625,0.535; 0.75,0.6; 0.875,0.7335; 1,1">
-                                          <p:stCondLst>
-                                            <p:cond delay="664"/>
-                                          </p:stCondLst>
-                                        </p:cTn>
-                                        <p:tgtEl>
-                                          <p:spTgt spid="15"/>
-                                        </p:tgtEl>
-                                        <p:attrNameLst>
-                                          <p:attrName>ppt_y</p:attrName>
-                                        </p:attrNameLst>
-                                      </p:cBhvr>
-                                      <p:tavLst>
-                                        <p:tav tm="0" fmla="#ppt_y-sin(pi*$)/9">
-                                          <p:val>
-                                            <p:fltVal val="0"/>
-                                          </p:val>
-                                        </p:tav>
-                                        <p:tav tm="100000">
-                                          <p:val>
-                                            <p:fltVal val="1"/>
-                                          </p:val>
-                                        </p:tav>
-                                      </p:tavLst>
-                                    </p:anim>
-                                    <p:anim calcmode="lin" valueType="num">
-                                      <p:cBhvr>
-                                        <p:cTn id="40" dur="332" tmFilter="0, 0; 0.125,0.2665; 0.25,0.4; 0.375,0.465; 0.5,0.5;  0.625,0.535; 0.75,0.6; 0.875,0.7335; 1,1">
-                                          <p:stCondLst>
-                                            <p:cond delay="1324"/>
-                                          </p:stCondLst>
-                                        </p:cTn>
-                                        <p:tgtEl>
-                                          <p:spTgt spid="15"/>
-                                        </p:tgtEl>
-                                        <p:attrNameLst>
-                                          <p:attrName>ppt_y</p:attrName>
-                                        </p:attrNameLst>
-                                      </p:cBhvr>
-                                      <p:tavLst>
-                                        <p:tav tm="0" fmla="#ppt_y-sin(pi*$)/27">
-                                          <p:val>
-                                            <p:fltVal val="0"/>
-                                          </p:val>
-                                        </p:tav>
-                                        <p:tav tm="100000">
-                                          <p:val>
-                                            <p:fltVal val="1"/>
-                                          </p:val>
-                                        </p:tav>
-                                      </p:tavLst>
-                                    </p:anim>
-                                    <p:anim calcmode="lin" valueType="num">
-                                      <p:cBhvr>
-                                        <p:cTn id="41" dur="164" tmFilter="0, 0; 0.125,0.2665; 0.25,0.4; 0.375,0.465; 0.5,0.5;  0.625,0.535; 0.75,0.6; 0.875,0.7335; 1,1">
-                                          <p:stCondLst>
-                                            <p:cond delay="1656"/>
-                                          </p:stCondLst>
-                                        </p:cTn>
-                                        <p:tgtEl>
-                                          <p:spTgt spid="15"/>
-                                        </p:tgtEl>
-                                        <p:attrNameLst>
-                                          <p:attrName>ppt_y</p:attrName>
-                                        </p:attrNameLst>
-                                      </p:cBhvr>
-                                      <p:tavLst>
-                                        <p:tav tm="0" fmla="#ppt_y-sin(pi*$)/81">
-                                          <p:val>
-                                            <p:fltVal val="0"/>
-                                          </p:val>
-                                        </p:tav>
-                                        <p:tav tm="100000">
-                                          <p:val>
-                                            <p:fltVal val="1"/>
-                                          </p:val>
-                                        </p:tav>
-                                      </p:tavLst>
-                                    </p:anim>
-                                    <p:animScale>
-                                      <p:cBhvr>
-                                        <p:cTn id="42" dur="26">
-                                          <p:stCondLst>
-                                            <p:cond delay="650"/>
-                                          </p:stCondLst>
-                                        </p:cTn>
-                                        <p:tgtEl>
-                                          <p:spTgt spid="15"/>
-                                        </p:tgtEl>
-                                      </p:cBhvr>
-                                      <p:to x="100000" y="60000"/>
-                                    </p:animScale>
-                                    <p:animScale>
-                                      <p:cBhvr>
-                                        <p:cTn id="43" dur="166" decel="50000">
-                                          <p:stCondLst>
-                                            <p:cond delay="676"/>
-                                          </p:stCondLst>
-                                        </p:cTn>
-                                        <p:tgtEl>
-                                          <p:spTgt spid="15"/>
-                                        </p:tgtEl>
-                                      </p:cBhvr>
-                                      <p:to x="100000" y="100000"/>
-                                    </p:animScale>
-                                    <p:animScale>
-                                      <p:cBhvr>
-                                        <p:cTn id="44" dur="26">
-                                          <p:stCondLst>
-                                            <p:cond delay="1312"/>
-                                          </p:stCondLst>
-                                        </p:cTn>
-                                        <p:tgtEl>
-                                          <p:spTgt spid="15"/>
-                                        </p:tgtEl>
-                                      </p:cBhvr>
-                                      <p:to x="100000" y="80000"/>
-                                    </p:animScale>
-                                    <p:animScale>
-                                      <p:cBhvr>
-                                        <p:cTn id="45" dur="166" decel="50000">
-                                          <p:stCondLst>
-                                            <p:cond delay="1338"/>
-                                          </p:stCondLst>
-                                        </p:cTn>
-                                        <p:tgtEl>
-                                          <p:spTgt spid="15"/>
-                                        </p:tgtEl>
-                                      </p:cBhvr>
-                                      <p:to x="100000" y="100000"/>
-                                    </p:animScale>
-                                    <p:animScale>
-                                      <p:cBhvr>
-                                        <p:cTn id="46" dur="26">
-                                          <p:stCondLst>
-                                            <p:cond delay="1642"/>
-                                          </p:stCondLst>
-                                        </p:cTn>
-                                        <p:tgtEl>
-                                          <p:spTgt spid="15"/>
-                                        </p:tgtEl>
-                                      </p:cBhvr>
-                                      <p:to x="100000" y="90000"/>
-                                    </p:animScale>
-                                    <p:animScale>
-                                      <p:cBhvr>
-                                        <p:cTn id="47" dur="166" decel="50000">
-                                          <p:stCondLst>
-                                            <p:cond delay="1668"/>
-                                          </p:stCondLst>
-                                        </p:cTn>
-                                        <p:tgtEl>
-                                          <p:spTgt spid="15"/>
-                                        </p:tgtEl>
-                                      </p:cBhvr>
-                                      <p:to x="100000" y="100000"/>
-                                    </p:animScale>
-                                    <p:animScale>
-                                      <p:cBhvr>
-                                        <p:cTn id="48" dur="26">
-                                          <p:stCondLst>
-                                            <p:cond delay="1808"/>
-                                          </p:stCondLst>
-                                        </p:cTn>
-                                        <p:tgtEl>
-                                          <p:spTgt spid="15"/>
-                                        </p:tgtEl>
-                                      </p:cBhvr>
-                                      <p:to x="100000" y="95000"/>
-                                    </p:animScale>
-                                    <p:animScale>
-                                      <p:cBhvr>
-                                        <p:cTn id="49" dur="166" decel="50000">
-                                          <p:stCondLst>
-                                            <p:cond delay="1834"/>
-                                          </p:stCondLst>
-                                        </p:cTn>
-                                        <p:tgtEl>
-                                          <p:spTgt spid="15"/>
-                                        </p:tgtEl>
-                                      </p:cBhvr>
-                                      <p:to x="100000" y="100000"/>
-                                    </p:animScale>
-                                  </p:childTnLst>
-                                </p:cTn>
-                              </p:par>
-                              <p:par>
-                                <p:cTn id="50" presetID="26" presetClass="entr" presetSubtype="0" fill="hold" nodeType="withEffect">
-                                  <p:stCondLst>
-                                    <p:cond delay="0"/>
-                                  </p:stCondLst>
-                                  <p:childTnLst>
-                                    <p:set>
-                                      <p:cBhvr>
-                                        <p:cTn id="51" dur="1" fill="hold">
-                                          <p:stCondLst>
-                                            <p:cond delay="0"/>
-                                          </p:stCondLst>
-                                        </p:cTn>
-                                        <p:tgtEl>
-                                          <p:spTgt spid="16"/>
-                                        </p:tgtEl>
-                                        <p:attrNameLst>
-                                          <p:attrName>style.visibility</p:attrName>
-                                        </p:attrNameLst>
-                                      </p:cBhvr>
-                                      <p:to>
-                                        <p:strVal val="visible"/>
-                                      </p:to>
-                                    </p:set>
-                                    <p:animEffect transition="in" filter="wipe(down)">
-                                      <p:cBhvr>
-                                        <p:cTn id="52" dur="580">
-                                          <p:stCondLst>
-                                            <p:cond delay="0"/>
-                                          </p:stCondLst>
-                                        </p:cTn>
-                                        <p:tgtEl>
-                                          <p:spTgt spid="16"/>
-                                        </p:tgtEl>
-                                      </p:cBhvr>
-                                    </p:animEffect>
-                                    <p:anim calcmode="lin" valueType="num">
-                                      <p:cBhvr>
-                                        <p:cTn id="53" dur="1822" tmFilter="0,0; 0.14,0.36; 0.43,0.73; 0.71,0.91; 1.0,1.0">
-                                          <p:stCondLst>
-                                            <p:cond delay="0"/>
-                                          </p:stCondLst>
-                                        </p:cTn>
-                                        <p:tgtEl>
-                                          <p:spTgt spid="16"/>
-                                        </p:tgtEl>
-                                        <p:attrNameLst>
-                                          <p:attrName>ppt_x</p:attrName>
-                                        </p:attrNameLst>
-                                      </p:cBhvr>
-                                      <p:tavLst>
-                                        <p:tav tm="0">
-                                          <p:val>
-                                            <p:strVal val="#ppt_x-0.25"/>
-                                          </p:val>
-                                        </p:tav>
-                                        <p:tav tm="100000">
-                                          <p:val>
-                                            <p:strVal val="#ppt_x"/>
-                                          </p:val>
-                                        </p:tav>
-                                      </p:tavLst>
-                                    </p:anim>
-                                    <p:anim calcmode="lin" valueType="num">
-                                      <p:cBhvr>
-                                        <p:cTn id="54" dur="664" tmFilter="0.0,0.0; 0.25,0.07; 0.50,0.2; 0.75,0.467; 1.0,1.0">
-                                          <p:stCondLst>
-                                            <p:cond delay="0"/>
-                                          </p:stCondLst>
-                                        </p:cTn>
-                                        <p:tgtEl>
-                                          <p:spTgt spid="16"/>
-                                        </p:tgtEl>
-                                        <p:attrNameLst>
-                                          <p:attrName>ppt_y</p:attrName>
-                                        </p:attrNameLst>
-                                      </p:cBhvr>
-                                      <p:tavLst>
-                                        <p:tav tm="0" fmla="#ppt_y-sin(pi*$)/3">
-                                          <p:val>
-                                            <p:fltVal val="0.5"/>
-                                          </p:val>
-                                        </p:tav>
-                                        <p:tav tm="100000">
-                                          <p:val>
-                                            <p:fltVal val="1"/>
-                                          </p:val>
-                                        </p:tav>
-                                      </p:tavLst>
-                                    </p:anim>
-                                    <p:anim calcmode="lin" valueType="num">
-                                      <p:cBhvr>
-                                        <p:cTn id="55" dur="664" tmFilter="0, 0; 0.125,0.2665; 0.25,0.4; 0.375,0.465; 0.5,0.5;  0.625,0.535; 0.75,0.6; 0.875,0.7335; 1,1">
-                                          <p:stCondLst>
-                                            <p:cond delay="664"/>
-                                          </p:stCondLst>
-                                        </p:cTn>
-                                        <p:tgtEl>
-                                          <p:spTgt spid="16"/>
-                                        </p:tgtEl>
-                                        <p:attrNameLst>
-                                          <p:attrName>ppt_y</p:attrName>
-                                        </p:attrNameLst>
-                                      </p:cBhvr>
-                                      <p:tavLst>
-                                        <p:tav tm="0" fmla="#ppt_y-sin(pi*$)/9">
-                                          <p:val>
-                                            <p:fltVal val="0"/>
-                                          </p:val>
-                                        </p:tav>
-                                        <p:tav tm="100000">
-                                          <p:val>
-                                            <p:fltVal val="1"/>
-                                          </p:val>
-                                        </p:tav>
-                                      </p:tavLst>
-                                    </p:anim>
-                                    <p:anim calcmode="lin" valueType="num">
-                                      <p:cBhvr>
-                                        <p:cTn id="56" dur="332" tmFilter="0, 0; 0.125,0.2665; 0.25,0.4; 0.375,0.465; 0.5,0.5;  0.625,0.535; 0.75,0.6; 0.875,0.7335; 1,1">
-                                          <p:stCondLst>
-                                            <p:cond delay="1324"/>
-                                          </p:stCondLst>
-                                        </p:cTn>
-                                        <p:tgtEl>
-                                          <p:spTgt spid="16"/>
-                                        </p:tgtEl>
-                                        <p:attrNameLst>
-                                          <p:attrName>ppt_y</p:attrName>
-                                        </p:attrNameLst>
-                                      </p:cBhvr>
-                                      <p:tavLst>
-                                        <p:tav tm="0" fmla="#ppt_y-sin(pi*$)/27">
-                                          <p:val>
-                                            <p:fltVal val="0"/>
-                                          </p:val>
-                                        </p:tav>
-                                        <p:tav tm="100000">
-                                          <p:val>
-                                            <p:fltVal val="1"/>
-                                          </p:val>
-                                        </p:tav>
-                                      </p:tavLst>
-                                    </p:anim>
-                                    <p:anim calcmode="lin" valueType="num">
-                                      <p:cBhvr>
-                                        <p:cTn id="57" dur="164" tmFilter="0, 0; 0.125,0.2665; 0.25,0.4; 0.375,0.465; 0.5,0.5;  0.625,0.535; 0.75,0.6; 0.875,0.7335; 1,1">
-                                          <p:stCondLst>
-                                            <p:cond delay="1656"/>
-                                          </p:stCondLst>
-                                        </p:cTn>
-                                        <p:tgtEl>
-                                          <p:spTgt spid="16"/>
-                                        </p:tgtEl>
-                                        <p:attrNameLst>
-                                          <p:attrName>ppt_y</p:attrName>
-                                        </p:attrNameLst>
-                                      </p:cBhvr>
-                                      <p:tavLst>
-                                        <p:tav tm="0" fmla="#ppt_y-sin(pi*$)/81">
-                                          <p:val>
-                                            <p:fltVal val="0"/>
-                                          </p:val>
-                                        </p:tav>
-                                        <p:tav tm="100000">
-                                          <p:val>
-                                            <p:fltVal val="1"/>
-                                          </p:val>
-                                        </p:tav>
-                                      </p:tavLst>
-                                    </p:anim>
-                                    <p:animScale>
-                                      <p:cBhvr>
-                                        <p:cTn id="58" dur="26">
-                                          <p:stCondLst>
-                                            <p:cond delay="650"/>
-                                          </p:stCondLst>
-                                        </p:cTn>
-                                        <p:tgtEl>
-                                          <p:spTgt spid="16"/>
-                                        </p:tgtEl>
-                                      </p:cBhvr>
-                                      <p:to x="100000" y="60000"/>
-                                    </p:animScale>
-                                    <p:animScale>
-                                      <p:cBhvr>
-                                        <p:cTn id="59" dur="166" decel="50000">
-                                          <p:stCondLst>
-                                            <p:cond delay="676"/>
-                                          </p:stCondLst>
-                                        </p:cTn>
-                                        <p:tgtEl>
-                                          <p:spTgt spid="16"/>
-                                        </p:tgtEl>
-                                      </p:cBhvr>
-                                      <p:to x="100000" y="100000"/>
-                                    </p:animScale>
-                                    <p:animScale>
-                                      <p:cBhvr>
-                                        <p:cTn id="60" dur="26">
-                                          <p:stCondLst>
-                                            <p:cond delay="1312"/>
-                                          </p:stCondLst>
-                                        </p:cTn>
-                                        <p:tgtEl>
-                                          <p:spTgt spid="16"/>
-                                        </p:tgtEl>
-                                      </p:cBhvr>
-                                      <p:to x="100000" y="80000"/>
-                                    </p:animScale>
-                                    <p:animScale>
-                                      <p:cBhvr>
-                                        <p:cTn id="61" dur="166" decel="50000">
-                                          <p:stCondLst>
-                                            <p:cond delay="1338"/>
-                                          </p:stCondLst>
-                                        </p:cTn>
-                                        <p:tgtEl>
-                                          <p:spTgt spid="16"/>
-                                        </p:tgtEl>
-                                      </p:cBhvr>
-                                      <p:to x="100000" y="100000"/>
-                                    </p:animScale>
-                                    <p:animScale>
-                                      <p:cBhvr>
-                                        <p:cTn id="62" dur="26">
-                                          <p:stCondLst>
-                                            <p:cond delay="1642"/>
-                                          </p:stCondLst>
-                                        </p:cTn>
-                                        <p:tgtEl>
-                                          <p:spTgt spid="16"/>
-                                        </p:tgtEl>
-                                      </p:cBhvr>
-                                      <p:to x="100000" y="90000"/>
-                                    </p:animScale>
-                                    <p:animScale>
-                                      <p:cBhvr>
-                                        <p:cTn id="63" dur="166" decel="50000">
-                                          <p:stCondLst>
-                                            <p:cond delay="1668"/>
-                                          </p:stCondLst>
-                                        </p:cTn>
-                                        <p:tgtEl>
-                                          <p:spTgt spid="16"/>
-                                        </p:tgtEl>
-                                      </p:cBhvr>
-                                      <p:to x="100000" y="100000"/>
-                                    </p:animScale>
-                                    <p:animScale>
-                                      <p:cBhvr>
-                                        <p:cTn id="64" dur="26">
-                                          <p:stCondLst>
-                                            <p:cond delay="1808"/>
-                                          </p:stCondLst>
-                                        </p:cTn>
-                                        <p:tgtEl>
-                                          <p:spTgt spid="16"/>
-                                        </p:tgtEl>
-                                      </p:cBhvr>
-                                      <p:to x="100000" y="95000"/>
-                                    </p:animScale>
-                                    <p:animScale>
-                                      <p:cBhvr>
-                                        <p:cTn id="65" dur="166" decel="50000">
-                                          <p:stCondLst>
-                                            <p:cond delay="1834"/>
-                                          </p:stCondLst>
-                                        </p:cTn>
-                                        <p:tgtEl>
-                                          <p:spTgt spid="16"/>
-                                        </p:tgtEl>
-                                      </p:cBhvr>
-                                      <p:to x="100000" y="100000"/>
-                                    </p:animScale>
-                                  </p:childTnLst>
-                                </p:cTn>
-                              </p:par>
-                            </p:childTnLst>
-                          </p:cTn>
-                        </p:par>
-                      </p:childTnLst>
-                    </p:cTn>
-                  </p:par>
-                </p:childTnLst>
-              </p:cTn>
-              <p:prevCondLst>
-                <p:cond evt="onPrev" delay="0">
-                  <p:tgtEl>
-                    <p:sldTgt/>
-                  </p:tgtEl>
-                </p:cond>
-              </p:prevCondLst>
-              <p:nextCondLst>
-                <p:cond evt="onNext" delay="0">
-                  <p:tgtEl>
-                    <p:sldTgt/>
-                  </p:tgtEl>
-                </p:cond>
-              </p:nextCondLst>
-            </p:seq>
-          </p:childTnLst>
-        </p:cTn>
-      </p:par>
-    </p:tnLst>
-  </p:timing>
 </p:sld>
 </file>
 
